--- a/PowerPoints/EECE7398_Final_Project.pptx
+++ b/PowerPoints/EECE7398_Final_Project.pptx
@@ -5,7 +5,7 @@
     <p:sldMasterId id="2147483661" r:id="rId1"/>
   </p:sldMasterIdLst>
   <p:notesMasterIdLst>
-    <p:notesMasterId r:id="rId27"/>
+    <p:notesMasterId r:id="rId28"/>
   </p:notesMasterIdLst>
   <p:sldIdLst>
     <p:sldId id="266" r:id="rId2"/>
@@ -22,17 +22,18 @@
     <p:sldId id="300" r:id="rId13"/>
     <p:sldId id="298" r:id="rId14"/>
     <p:sldId id="299" r:id="rId15"/>
-    <p:sldId id="313" r:id="rId16"/>
-    <p:sldId id="292" r:id="rId17"/>
-    <p:sldId id="312" r:id="rId18"/>
-    <p:sldId id="293" r:id="rId19"/>
-    <p:sldId id="311" r:id="rId20"/>
-    <p:sldId id="291" r:id="rId21"/>
-    <p:sldId id="310" r:id="rId22"/>
-    <p:sldId id="294" r:id="rId23"/>
-    <p:sldId id="283" r:id="rId24"/>
-    <p:sldId id="301" r:id="rId25"/>
-    <p:sldId id="295" r:id="rId26"/>
+    <p:sldId id="318" r:id="rId16"/>
+    <p:sldId id="313" r:id="rId17"/>
+    <p:sldId id="292" r:id="rId18"/>
+    <p:sldId id="312" r:id="rId19"/>
+    <p:sldId id="293" r:id="rId20"/>
+    <p:sldId id="311" r:id="rId21"/>
+    <p:sldId id="291" r:id="rId22"/>
+    <p:sldId id="310" r:id="rId23"/>
+    <p:sldId id="294" r:id="rId24"/>
+    <p:sldId id="283" r:id="rId25"/>
+    <p:sldId id="301" r:id="rId26"/>
+    <p:sldId id="295" r:id="rId27"/>
   </p:sldIdLst>
   <p:sldSz cx="9144000" cy="6858000" type="screen4x3"/>
   <p:notesSz cx="6858000" cy="9144000"/>
@@ -318,7 +319,7 @@
           <a:p>
             <a:fld id="{FB67E610-DBB5-964A-A213-D459E2805448}" type="datetimeFigureOut">
               <a:rPr lang="en-US" smtClean="0"/>
-              <a:t>4/16/20</a:t>
+              <a:t>4/20/20</a:t>
             </a:fld>
             <a:endParaRPr lang="en-US"/>
           </a:p>
@@ -737,7 +738,7 @@
           <a:p>
             <a:fld id="{103D3F82-566A-6B45-B3F8-F4D88BD077DC}" type="slidenum">
               <a:rPr lang="en-US" smtClean="0"/>
-              <a:t>15</a:t>
+              <a:t>16</a:t>
             </a:fld>
             <a:endParaRPr lang="en-US"/>
           </a:p>
@@ -821,7 +822,7 @@
           <a:p>
             <a:fld id="{103D3F82-566A-6B45-B3F8-F4D88BD077DC}" type="slidenum">
               <a:rPr lang="en-US" smtClean="0"/>
-              <a:t>17</a:t>
+              <a:t>18</a:t>
             </a:fld>
             <a:endParaRPr lang="en-US"/>
           </a:p>
@@ -905,7 +906,7 @@
           <a:p>
             <a:fld id="{103D3F82-566A-6B45-B3F8-F4D88BD077DC}" type="slidenum">
               <a:rPr lang="en-US" smtClean="0"/>
-              <a:t>19</a:t>
+              <a:t>20</a:t>
             </a:fld>
             <a:endParaRPr lang="en-US"/>
           </a:p>
@@ -989,7 +990,7 @@
           <a:p>
             <a:fld id="{103D3F82-566A-6B45-B3F8-F4D88BD077DC}" type="slidenum">
               <a:rPr lang="en-US" smtClean="0"/>
-              <a:t>21</a:t>
+              <a:t>22</a:t>
             </a:fld>
             <a:endParaRPr lang="en-US"/>
           </a:p>
@@ -1073,7 +1074,7 @@
           <a:p>
             <a:fld id="{103D3F82-566A-6B45-B3F8-F4D88BD077DC}" type="slidenum">
               <a:rPr lang="en-US" smtClean="0"/>
-              <a:t>23</a:t>
+              <a:t>24</a:t>
             </a:fld>
             <a:endParaRPr lang="en-US"/>
           </a:p>
@@ -1879,14 +1880,14 @@
           </a:ln>
           <a:extLst>
             <a:ext uri="{909E8E84-426E-40dd-AFC4-6F175D3DCCD1}">
-              <a14:hiddenFill xmlns:a14="http://schemas.microsoft.com/office/drawing/2010/main" xmlns="">
+              <a14:hiddenFill xmlns="" xmlns:a14="http://schemas.microsoft.com/office/drawing/2010/main">
                 <a:solidFill>
                   <a:srgbClr val="FFFFFF"/>
                 </a:solidFill>
               </a14:hiddenFill>
             </a:ext>
             <a:ext uri="{91240B29-F687-4f45-9708-019B960494DF}">
-              <a14:hiddenLine xmlns:a14="http://schemas.microsoft.com/office/drawing/2010/main" xmlns="" w="9525">
+              <a14:hiddenLine xmlns="" xmlns:a14="http://schemas.microsoft.com/office/drawing/2010/main" w="9525">
                 <a:solidFill>
                   <a:srgbClr val="000000"/>
                 </a:solidFill>
@@ -2104,14 +2105,14 @@
           </a:ln>
           <a:extLst>
             <a:ext uri="{909E8E84-426E-40dd-AFC4-6F175D3DCCD1}">
-              <a14:hiddenFill xmlns:a14="http://schemas.microsoft.com/office/drawing/2010/main" xmlns="">
+              <a14:hiddenFill xmlns="" xmlns:a14="http://schemas.microsoft.com/office/drawing/2010/main">
                 <a:solidFill>
                   <a:srgbClr val="FFFFFF"/>
                 </a:solidFill>
               </a14:hiddenFill>
             </a:ext>
             <a:ext uri="{91240B29-F687-4f45-9708-019B960494DF}">
-              <a14:hiddenLine xmlns:a14="http://schemas.microsoft.com/office/drawing/2010/main" xmlns="" w="9525">
+              <a14:hiddenLine xmlns="" xmlns:a14="http://schemas.microsoft.com/office/drawing/2010/main" w="9525">
                 <a:solidFill>
                   <a:srgbClr val="000000"/>
                 </a:solidFill>
@@ -2275,7 +2276,7 @@
             <a:fld id="{79279E35-9C39-41A3-B9D2-5278FD6D8DDC}" type="datetimeFigureOut">
               <a:rPr lang="en-US" altLang="en-US"/>
               <a:pPr/>
-              <a:t>4/16/20</a:t>
+              <a:t>4/20/20</a:t>
             </a:fld>
             <a:endParaRPr lang="en-US" altLang="en-US"/>
           </a:p>
@@ -2639,7 +2640,7 @@
             <a:fld id="{BF458AF3-BD15-4BFB-A60F-262C4444305D}" type="datetimeFigureOut">
               <a:rPr lang="en-US" altLang="en-US"/>
               <a:pPr/>
-              <a:t>4/16/20</a:t>
+              <a:t>4/20/20</a:t>
             </a:fld>
             <a:endParaRPr lang="en-US" altLang="en-US"/>
           </a:p>
@@ -2922,7 +2923,7 @@
             <a:fld id="{4E4E1B3A-F39C-4D4C-AF0D-7BF0EBF1902C}" type="datetimeFigureOut">
               <a:rPr lang="en-US" altLang="en-US"/>
               <a:pPr/>
-              <a:t>4/16/20</a:t>
+              <a:t>4/20/20</a:t>
             </a:fld>
             <a:endParaRPr lang="en-US" altLang="en-US"/>
           </a:p>
@@ -3253,7 +3254,7 @@
             <a:fld id="{11EB6960-3233-4EAA-8FC5-02B034967A69}" type="datetimeFigureOut">
               <a:rPr lang="en-US" altLang="en-US"/>
               <a:pPr/>
-              <a:t>4/16/20</a:t>
+              <a:t>4/20/20</a:t>
             </a:fld>
             <a:endParaRPr lang="en-US" altLang="en-US"/>
           </a:p>
@@ -3715,7 +3716,7 @@
             <a:fld id="{E187BA0A-8D26-4FB9-BFB6-61C76F975855}" type="datetimeFigureOut">
               <a:rPr lang="en-US" altLang="en-US"/>
               <a:pPr/>
-              <a:t>4/16/20</a:t>
+              <a:t>4/20/20</a:t>
             </a:fld>
             <a:endParaRPr lang="en-US" altLang="en-US"/>
           </a:p>
@@ -3881,7 +3882,7 @@
             <a:fld id="{03AC124E-09A9-42FF-9A8C-8BCA62660993}" type="datetimeFigureOut">
               <a:rPr lang="en-US" altLang="en-US"/>
               <a:pPr/>
-              <a:t>4/16/20</a:t>
+              <a:t>4/20/20</a:t>
             </a:fld>
             <a:endParaRPr lang="en-US" altLang="en-US"/>
           </a:p>
@@ -4011,7 +4012,7 @@
             <a:fld id="{E4803E2A-D4C0-49FB-A4B7-C3A8CF9033CC}" type="datetimeFigureOut">
               <a:rPr lang="en-US" altLang="en-US"/>
               <a:pPr/>
-              <a:t>4/16/20</a:t>
+              <a:t>4/20/20</a:t>
             </a:fld>
             <a:endParaRPr lang="en-US" altLang="en-US"/>
           </a:p>
@@ -4324,7 +4325,7 @@
             <a:fld id="{018C8D68-1076-49DE-A007-41D011960D8A}" type="datetimeFigureOut">
               <a:rPr lang="en-US" altLang="en-US"/>
               <a:pPr/>
-              <a:t>4/16/20</a:t>
+              <a:t>4/20/20</a:t>
             </a:fld>
             <a:endParaRPr lang="en-US" altLang="en-US"/>
           </a:p>
@@ -4620,7 +4621,7 @@
             <a:fld id="{05E9DDD0-ED68-4B58-8EE7-EAAD76738E86}" type="datetimeFigureOut">
               <a:rPr lang="en-US" altLang="en-US"/>
               <a:pPr/>
-              <a:t>4/16/20</a:t>
+              <a:t>4/20/20</a:t>
             </a:fld>
             <a:endParaRPr lang="en-US" altLang="en-US"/>
           </a:p>
@@ -4867,7 +4868,7 @@
             <a:fld id="{AB3985E2-B91B-43B4-A7C6-C571D16267EB}" type="datetimeFigureOut">
               <a:rPr lang="en-US" altLang="en-US"/>
               <a:pPr/>
-              <a:t>4/16/20</a:t>
+              <a:t>4/20/20</a:t>
             </a:fld>
             <a:endParaRPr lang="en-US" altLang="en-US"/>
           </a:p>
@@ -5818,13 +5819,8 @@
           <a:p>
             <a:r>
               <a:rPr lang="en-US" sz="2400" dirty="0"/>
-              <a:t>Easy to add transformations as each point transforms </a:t>
-            </a:r>
-            <a:r>
-              <a:rPr lang="en-US" sz="2400" dirty="0" err="1"/>
-              <a:t>independentluy</a:t>
-            </a:r>
-            <a:endParaRPr lang="en-US" sz="2400" dirty="0"/>
+              <a:t>Easy to add transformations as each point transforms independently</a:t>
+            </a:r>
           </a:p>
         </p:txBody>
       </p:sp>
@@ -6132,7 +6128,12 @@
             <p:ph idx="1"/>
           </p:nvPr>
         </p:nvSpPr>
-        <p:spPr/>
+        <p:spPr>
+          <a:xfrm>
+            <a:off x="457200" y="1600202"/>
+            <a:ext cx="5257800" cy="4525963"/>
+          </a:xfrm>
+        </p:spPr>
         <p:txBody>
           <a:bodyPr/>
           <a:lstStyle/>
@@ -6147,13 +6148,8 @@
             </a:r>
             <a:r>
               <a:rPr lang="en-US" sz="2400" dirty="0"/>
-              <a:t>: Reconstruction and </a:t>
-            </a:r>
-            <a:r>
-              <a:rPr lang="en-US" sz="2400" dirty="0" err="1"/>
-              <a:t>Sementation</a:t>
-            </a:r>
-            <a:endParaRPr lang="en-US" sz="2400" dirty="0"/>
+              <a:t>: Reconstruction and Segmentation</a:t>
+            </a:r>
           </a:p>
           <a:p>
             <a:pPr lvl="1"/>
@@ -6183,20 +6179,6 @@
               <a:t>Shapes: Airplane, Bag, Cap, Chair, Earphone, Guitar, Knife, Lamp, Laptop, Motorbike, Mug, Pistol, Rocket, Skateboard, Table</a:t>
             </a:r>
           </a:p>
-          <a:p>
-            <a:r>
-              <a:rPr lang="en-US" sz="2400" dirty="0"/>
-              <a:t>Princeton </a:t>
-            </a:r>
-            <a:r>
-              <a:rPr lang="en-US" sz="2400" dirty="0" err="1"/>
-              <a:t>ModelNet</a:t>
-            </a:r>
-            <a:r>
-              <a:rPr lang="en-US" sz="2400" dirty="0"/>
-              <a:t> 10 or 40: if we have time</a:t>
-            </a:r>
-          </a:p>
         </p:txBody>
       </p:sp>
       <p:sp>
@@ -6227,6 +6209,96 @@
           </a:p>
         </p:txBody>
       </p:sp>
+      <p:pic>
+        <p:nvPicPr>
+          <p:cNvPr id="4" name="Picture 3">
+            <a:extLst>
+              <a:ext uri="{FF2B5EF4-FFF2-40B4-BE49-F238E27FC236}">
+                <a16:creationId xmlns:a16="http://schemas.microsoft.com/office/drawing/2014/main" id="{584D339E-6EF1-7442-9A61-F703553B54AA}"/>
+              </a:ext>
+            </a:extLst>
+          </p:cNvPr>
+          <p:cNvPicPr>
+            <a:picLocks noChangeAspect="1"/>
+          </p:cNvPicPr>
+          <p:nvPr/>
+        </p:nvPicPr>
+        <p:blipFill>
+          <a:blip r:embed="rId3"/>
+          <a:stretch>
+            <a:fillRect/>
+          </a:stretch>
+        </p:blipFill>
+        <p:spPr>
+          <a:xfrm>
+            <a:off x="5588000" y="1371600"/>
+            <a:ext cx="3556000" cy="1803400"/>
+          </a:xfrm>
+          <a:prstGeom prst="rect">
+            <a:avLst/>
+          </a:prstGeom>
+        </p:spPr>
+      </p:pic>
+      <p:pic>
+        <p:nvPicPr>
+          <p:cNvPr id="6" name="Picture 5">
+            <a:extLst>
+              <a:ext uri="{FF2B5EF4-FFF2-40B4-BE49-F238E27FC236}">
+                <a16:creationId xmlns:a16="http://schemas.microsoft.com/office/drawing/2014/main" id="{7203C963-D388-2D41-A021-64239034A8AD}"/>
+              </a:ext>
+            </a:extLst>
+          </p:cNvPr>
+          <p:cNvPicPr>
+            <a:picLocks noChangeAspect="1"/>
+          </p:cNvPicPr>
+          <p:nvPr/>
+        </p:nvPicPr>
+        <p:blipFill>
+          <a:blip r:embed="rId4"/>
+          <a:stretch>
+            <a:fillRect/>
+          </a:stretch>
+        </p:blipFill>
+        <p:spPr>
+          <a:xfrm>
+            <a:off x="5588000" y="3164114"/>
+            <a:ext cx="3556000" cy="1303867"/>
+          </a:xfrm>
+          <a:prstGeom prst="rect">
+            <a:avLst/>
+          </a:prstGeom>
+        </p:spPr>
+      </p:pic>
+      <p:pic>
+        <p:nvPicPr>
+          <p:cNvPr id="7" name="Picture 6">
+            <a:extLst>
+              <a:ext uri="{FF2B5EF4-FFF2-40B4-BE49-F238E27FC236}">
+                <a16:creationId xmlns:a16="http://schemas.microsoft.com/office/drawing/2014/main" id="{6DF81C38-3B30-6549-8690-B49F43716A2D}"/>
+              </a:ext>
+            </a:extLst>
+          </p:cNvPr>
+          <p:cNvPicPr>
+            <a:picLocks noChangeAspect="1"/>
+          </p:cNvPicPr>
+          <p:nvPr/>
+        </p:nvPicPr>
+        <p:blipFill>
+          <a:blip r:embed="rId5"/>
+          <a:stretch>
+            <a:fillRect/>
+          </a:stretch>
+        </p:blipFill>
+        <p:spPr>
+          <a:xfrm>
+            <a:off x="5588000" y="4467981"/>
+            <a:ext cx="3556000" cy="1298773"/>
+          </a:xfrm>
+          <a:prstGeom prst="rect">
+            <a:avLst/>
+          </a:prstGeom>
+        </p:spPr>
+      </p:pic>
     </p:spTree>
     <p:extLst>
       <p:ext uri="{BB962C8B-B14F-4D97-AF65-F5344CB8AC3E}">
@@ -6262,7 +6334,7 @@
           <p:cNvPr id="2" name="Content Placeholder 1">
             <a:extLst>
               <a:ext uri="{FF2B5EF4-FFF2-40B4-BE49-F238E27FC236}">
-                <a16:creationId xmlns:a16="http://schemas.microsoft.com/office/drawing/2014/main" id="{3E75831E-1C6B-3542-A8E6-38E9FF024F86}"/>
+                <a16:creationId xmlns:a16="http://schemas.microsoft.com/office/drawing/2014/main" id="{93BB177D-ED51-6B46-8C53-D96EC88A0D53}"/>
               </a:ext>
             </a:extLst>
           </p:cNvPr>
@@ -6278,70 +6350,7 @@
           <a:bodyPr/>
           <a:lstStyle/>
           <a:p>
-            <a:r>
-              <a:rPr lang="en-US" sz="2400" dirty="0">
-                <a:solidFill>
-                  <a:schemeClr val="bg1">
-                    <a:lumMod val="85000"/>
-                  </a:schemeClr>
-                </a:solidFill>
-              </a:rPr>
-              <a:t>Introduction</a:t>
-            </a:r>
-          </a:p>
-          <a:p>
-            <a:r>
-              <a:rPr lang="en-US" sz="2400" dirty="0">
-                <a:solidFill>
-                  <a:schemeClr val="bg1">
-                    <a:lumMod val="85000"/>
-                  </a:schemeClr>
-                </a:solidFill>
-              </a:rPr>
-              <a:t>Detailed Implementation</a:t>
-            </a:r>
-          </a:p>
-          <a:p>
-            <a:r>
-              <a:rPr lang="en-US" sz="2400" dirty="0"/>
-              <a:t>Results. Do they match expectations</a:t>
-            </a:r>
-          </a:p>
-          <a:p>
-            <a:r>
-              <a:rPr lang="en-US" sz="2400" dirty="0">
-                <a:solidFill>
-                  <a:schemeClr val="bg1">
-                    <a:lumMod val="85000"/>
-                  </a:schemeClr>
-                </a:solidFill>
-              </a:rPr>
-              <a:t>Differences and improvements compared to previous works</a:t>
-            </a:r>
-          </a:p>
-          <a:p>
-            <a:r>
-              <a:rPr lang="en-US" sz="2400" dirty="0">
-                <a:solidFill>
-                  <a:schemeClr val="bg1">
-                    <a:lumMod val="85000"/>
-                  </a:schemeClr>
-                </a:solidFill>
-              </a:rPr>
-              <a:t>Challenges met and solutions</a:t>
-            </a:r>
-          </a:p>
-          <a:p>
-            <a:r>
-              <a:rPr lang="en-US" sz="2400" dirty="0">
-                <a:solidFill>
-                  <a:schemeClr val="bg1">
-                    <a:lumMod val="85000"/>
-                  </a:schemeClr>
-                </a:solidFill>
-              </a:rPr>
-              <a:t>Contributions of each team member</a:t>
-            </a:r>
+            <a:endParaRPr lang="en-US"/>
           </a:p>
         </p:txBody>
       </p:sp>
@@ -6350,7 +6359,7 @@
           <p:cNvPr id="3" name="Title 2">
             <a:extLst>
               <a:ext uri="{FF2B5EF4-FFF2-40B4-BE49-F238E27FC236}">
-                <a16:creationId xmlns:a16="http://schemas.microsoft.com/office/drawing/2014/main" id="{A292247C-C23C-464A-91BD-372A608AE8EF}"/>
+                <a16:creationId xmlns:a16="http://schemas.microsoft.com/office/drawing/2014/main" id="{DC15A9D5-85A5-1341-8DB6-579275175111}"/>
               </a:ext>
             </a:extLst>
           </p:cNvPr>
@@ -6368,7 +6377,7 @@
           <a:p>
             <a:r>
               <a:rPr lang="en-US" dirty="0"/>
-              <a:t>Specifications from Blackboard</a:t>
+              <a:t>Our Dataset: Lyft</a:t>
             </a:r>
           </a:p>
         </p:txBody>
@@ -6376,7 +6385,7 @@
     </p:spTree>
     <p:extLst>
       <p:ext uri="{BB962C8B-B14F-4D97-AF65-F5344CB8AC3E}">
-        <p14:creationId xmlns:p14="http://schemas.microsoft.com/office/powerpoint/2010/main" val="1099706726"/>
+        <p14:creationId xmlns:p14="http://schemas.microsoft.com/office/powerpoint/2010/main" val="2588397277"/>
       </p:ext>
     </p:extLst>
   </p:cSld>
@@ -6425,20 +6434,68 @@
           <a:lstStyle/>
           <a:p>
             <a:r>
+              <a:rPr lang="en-US" sz="2400" dirty="0">
+                <a:solidFill>
+                  <a:schemeClr val="bg1">
+                    <a:lumMod val="85000"/>
+                  </a:schemeClr>
+                </a:solidFill>
+              </a:rPr>
+              <a:t>Introduction</a:t>
+            </a:r>
+          </a:p>
+          <a:p>
+            <a:r>
+              <a:rPr lang="en-US" sz="2400" dirty="0">
+                <a:solidFill>
+                  <a:schemeClr val="bg1">
+                    <a:lumMod val="85000"/>
+                  </a:schemeClr>
+                </a:solidFill>
+              </a:rPr>
+              <a:t>Detailed Implementation</a:t>
+            </a:r>
+          </a:p>
+          <a:p>
+            <a:r>
               <a:rPr lang="en-US" sz="2400" dirty="0"/>
-              <a:t>Accuracy compared to baseline</a:t>
-            </a:r>
-          </a:p>
-          <a:p>
-            <a:r>
-              <a:rPr lang="en-US" sz="2400" dirty="0"/>
-              <a:t>Training times</a:t>
-            </a:r>
-          </a:p>
-          <a:p>
-            <a:r>
-              <a:rPr lang="en-US" sz="2400" dirty="0"/>
-              <a:t>Picture of results and tables</a:t>
+              <a:t>Results. Do they match expectations</a:t>
+            </a:r>
+          </a:p>
+          <a:p>
+            <a:r>
+              <a:rPr lang="en-US" sz="2400" dirty="0">
+                <a:solidFill>
+                  <a:schemeClr val="bg1">
+                    <a:lumMod val="85000"/>
+                  </a:schemeClr>
+                </a:solidFill>
+              </a:rPr>
+              <a:t>Differences and improvements compared to previous works</a:t>
+            </a:r>
+          </a:p>
+          <a:p>
+            <a:r>
+              <a:rPr lang="en-US" sz="2400" dirty="0">
+                <a:solidFill>
+                  <a:schemeClr val="bg1">
+                    <a:lumMod val="85000"/>
+                  </a:schemeClr>
+                </a:solidFill>
+              </a:rPr>
+              <a:t>Challenges met and solutions</a:t>
+            </a:r>
+          </a:p>
+          <a:p>
+            <a:r>
+              <a:rPr lang="en-US" sz="2400" dirty="0">
+                <a:solidFill>
+                  <a:schemeClr val="bg1">
+                    <a:lumMod val="85000"/>
+                  </a:schemeClr>
+                </a:solidFill>
+              </a:rPr>
+              <a:t>Contributions of each team member</a:t>
             </a:r>
           </a:p>
         </p:txBody>
@@ -6466,7 +6523,7 @@
           <a:p>
             <a:r>
               <a:rPr lang="en-US" dirty="0"/>
-              <a:t>Results</a:t>
+              <a:t>Specifications from Blackboard</a:t>
             </a:r>
           </a:p>
         </p:txBody>
@@ -6474,7 +6531,7 @@
     </p:spTree>
     <p:extLst>
       <p:ext uri="{BB962C8B-B14F-4D97-AF65-F5344CB8AC3E}">
-        <p14:creationId xmlns:p14="http://schemas.microsoft.com/office/powerpoint/2010/main" val="3406156963"/>
+        <p14:creationId xmlns:p14="http://schemas.microsoft.com/office/powerpoint/2010/main" val="1099706726"/>
       </p:ext>
     </p:extLst>
   </p:cSld>
@@ -6523,69 +6580,20 @@
           <a:lstStyle/>
           <a:p>
             <a:r>
-              <a:rPr lang="en-US" sz="2400" dirty="0">
-                <a:solidFill>
-                  <a:schemeClr val="bg1">
-                    <a:lumMod val="85000"/>
-                  </a:schemeClr>
-                </a:solidFill>
-              </a:rPr>
-              <a:t>Introduction</a:t>
-            </a:r>
-          </a:p>
-          <a:p>
-            <a:r>
-              <a:rPr lang="en-US" sz="2400" dirty="0">
-                <a:solidFill>
-                  <a:schemeClr val="bg1">
-                    <a:lumMod val="85000"/>
-                  </a:schemeClr>
-                </a:solidFill>
-              </a:rPr>
-              <a:t>Detailed Implementation</a:t>
-            </a:r>
-          </a:p>
-          <a:p>
-            <a:r>
-              <a:rPr lang="en-US" sz="2400" dirty="0">
-                <a:solidFill>
-                  <a:schemeClr val="bg1">
-                    <a:lumMod val="85000"/>
-                  </a:schemeClr>
-                </a:solidFill>
-              </a:rPr>
-              <a:t>Results. Do they match expectations</a:t>
-            </a:r>
-          </a:p>
-          <a:p>
-            <a:r>
               <a:rPr lang="en-US" sz="2400" dirty="0"/>
-              <a:t>Differences and improvements compared to previous works</a:t>
-            </a:r>
-          </a:p>
-          <a:p>
-            <a:r>
-              <a:rPr lang="en-US" sz="2400" dirty="0">
-                <a:solidFill>
-                  <a:schemeClr val="bg1">
-                    <a:lumMod val="85000"/>
-                  </a:schemeClr>
-                </a:solidFill>
-              </a:rPr>
-              <a:t>Challenges met and solutions</a:t>
-            </a:r>
-            <a:endParaRPr lang="en-US" sz="2400" dirty="0"/>
-          </a:p>
-          <a:p>
-            <a:r>
-              <a:rPr lang="en-US" sz="2400" dirty="0">
-                <a:solidFill>
-                  <a:schemeClr val="bg1">
-                    <a:lumMod val="85000"/>
-                  </a:schemeClr>
-                </a:solidFill>
-              </a:rPr>
-              <a:t>Contributions of each team member</a:t>
+              <a:t>Accuracy compared to baseline</a:t>
+            </a:r>
+          </a:p>
+          <a:p>
+            <a:r>
+              <a:rPr lang="en-US" sz="2400" dirty="0"/>
+              <a:t>Training times</a:t>
+            </a:r>
+          </a:p>
+          <a:p>
+            <a:r>
+              <a:rPr lang="en-US" sz="2400" dirty="0"/>
+              <a:t>Picture of results and tables</a:t>
             </a:r>
           </a:p>
         </p:txBody>
@@ -6613,15 +6621,75 @@
           <a:p>
             <a:r>
               <a:rPr lang="en-US" dirty="0"/>
-              <a:t>Specifications from Blackboard</a:t>
-            </a:r>
-          </a:p>
-        </p:txBody>
-      </p:sp>
+              <a:t>Results</a:t>
+            </a:r>
+          </a:p>
+        </p:txBody>
+      </p:sp>
+      <p:pic>
+        <p:nvPicPr>
+          <p:cNvPr id="5" name="Picture 4">
+            <a:extLst>
+              <a:ext uri="{FF2B5EF4-FFF2-40B4-BE49-F238E27FC236}">
+                <a16:creationId xmlns:a16="http://schemas.microsoft.com/office/drawing/2014/main" id="{84E015CF-F241-E043-A1E4-984B3F9AC72B}"/>
+              </a:ext>
+            </a:extLst>
+          </p:cNvPr>
+          <p:cNvPicPr>
+            <a:picLocks noChangeAspect="1"/>
+          </p:cNvPicPr>
+          <p:nvPr/>
+        </p:nvPicPr>
+        <p:blipFill>
+          <a:blip r:embed="rId2"/>
+          <a:stretch>
+            <a:fillRect/>
+          </a:stretch>
+        </p:blipFill>
+        <p:spPr>
+          <a:xfrm>
+            <a:off x="457200" y="2981695"/>
+            <a:ext cx="6146800" cy="2514600"/>
+          </a:xfrm>
+          <a:prstGeom prst="rect">
+            <a:avLst/>
+          </a:prstGeom>
+        </p:spPr>
+      </p:pic>
+      <p:pic>
+        <p:nvPicPr>
+          <p:cNvPr id="7" name="Picture 6">
+            <a:extLst>
+              <a:ext uri="{FF2B5EF4-FFF2-40B4-BE49-F238E27FC236}">
+                <a16:creationId xmlns:a16="http://schemas.microsoft.com/office/drawing/2014/main" id="{62CC82F7-CD55-2D42-92C7-B1034AD443ED}"/>
+              </a:ext>
+            </a:extLst>
+          </p:cNvPr>
+          <p:cNvPicPr>
+            <a:picLocks noChangeAspect="1"/>
+          </p:cNvPicPr>
+          <p:nvPr/>
+        </p:nvPicPr>
+        <p:blipFill>
+          <a:blip r:embed="rId3"/>
+          <a:stretch>
+            <a:fillRect/>
+          </a:stretch>
+        </p:blipFill>
+        <p:spPr>
+          <a:xfrm>
+            <a:off x="6738586" y="1577182"/>
+            <a:ext cx="2213822" cy="3909217"/>
+          </a:xfrm>
+          <a:prstGeom prst="rect">
+            <a:avLst/>
+          </a:prstGeom>
+        </p:spPr>
+      </p:pic>
     </p:spTree>
     <p:extLst>
       <p:ext uri="{BB962C8B-B14F-4D97-AF65-F5344CB8AC3E}">
-        <p14:creationId xmlns:p14="http://schemas.microsoft.com/office/powerpoint/2010/main" val="3741246855"/>
+        <p14:creationId xmlns:p14="http://schemas.microsoft.com/office/powerpoint/2010/main" val="3406156963"/>
       </p:ext>
     </p:extLst>
   </p:cSld>
@@ -6653,7 +6721,7 @@
           <p:cNvPr id="2" name="Content Placeholder 1">
             <a:extLst>
               <a:ext uri="{FF2B5EF4-FFF2-40B4-BE49-F238E27FC236}">
-                <a16:creationId xmlns:a16="http://schemas.microsoft.com/office/drawing/2014/main" id="{38565ABD-7C47-8845-8A91-83627BE1F103}"/>
+                <a16:creationId xmlns:a16="http://schemas.microsoft.com/office/drawing/2014/main" id="{3E75831E-1C6B-3542-A8E6-38E9FF024F86}"/>
               </a:ext>
             </a:extLst>
           </p:cNvPr>
@@ -6670,8 +6738,69 @@
           <a:lstStyle/>
           <a:p>
             <a:r>
+              <a:rPr lang="en-US" sz="2400" dirty="0">
+                <a:solidFill>
+                  <a:schemeClr val="bg1">
+                    <a:lumMod val="85000"/>
+                  </a:schemeClr>
+                </a:solidFill>
+              </a:rPr>
+              <a:t>Introduction</a:t>
+            </a:r>
+          </a:p>
+          <a:p>
+            <a:r>
+              <a:rPr lang="en-US" sz="2400" dirty="0">
+                <a:solidFill>
+                  <a:schemeClr val="bg1">
+                    <a:lumMod val="85000"/>
+                  </a:schemeClr>
+                </a:solidFill>
+              </a:rPr>
+              <a:t>Detailed Implementation</a:t>
+            </a:r>
+          </a:p>
+          <a:p>
+            <a:r>
+              <a:rPr lang="en-US" sz="2400" dirty="0">
+                <a:solidFill>
+                  <a:schemeClr val="bg1">
+                    <a:lumMod val="85000"/>
+                  </a:schemeClr>
+                </a:solidFill>
+              </a:rPr>
+              <a:t>Results. Do they match expectations</a:t>
+            </a:r>
+          </a:p>
+          <a:p>
+            <a:r>
               <a:rPr lang="en-US" sz="2400" dirty="0"/>
-              <a:t>TBD</a:t>
+              <a:t>Differences and improvements compared to previous works</a:t>
+            </a:r>
+          </a:p>
+          <a:p>
+            <a:r>
+              <a:rPr lang="en-US" sz="2400" dirty="0">
+                <a:solidFill>
+                  <a:schemeClr val="bg1">
+                    <a:lumMod val="85000"/>
+                  </a:schemeClr>
+                </a:solidFill>
+              </a:rPr>
+              <a:t>Challenges met and solutions</a:t>
+            </a:r>
+            <a:endParaRPr lang="en-US" sz="2400" dirty="0"/>
+          </a:p>
+          <a:p>
+            <a:r>
+              <a:rPr lang="en-US" sz="2400" dirty="0">
+                <a:solidFill>
+                  <a:schemeClr val="bg1">
+                    <a:lumMod val="85000"/>
+                  </a:schemeClr>
+                </a:solidFill>
+              </a:rPr>
+              <a:t>Contributions of each team member</a:t>
             </a:r>
           </a:p>
         </p:txBody>
@@ -6681,7 +6810,7 @@
           <p:cNvPr id="3" name="Title 2">
             <a:extLst>
               <a:ext uri="{FF2B5EF4-FFF2-40B4-BE49-F238E27FC236}">
-                <a16:creationId xmlns:a16="http://schemas.microsoft.com/office/drawing/2014/main" id="{3FBCADA3-B0FF-FB4A-AE2B-06CE1F5F13E3}"/>
+                <a16:creationId xmlns:a16="http://schemas.microsoft.com/office/drawing/2014/main" id="{A292247C-C23C-464A-91BD-372A608AE8EF}"/>
               </a:ext>
             </a:extLst>
           </p:cNvPr>
@@ -6699,7 +6828,7 @@
           <a:p>
             <a:r>
               <a:rPr lang="en-US" dirty="0"/>
-              <a:t>Differences and Improvements</a:t>
+              <a:t>Specifications from Blackboard</a:t>
             </a:r>
           </a:p>
         </p:txBody>
@@ -6707,7 +6836,7 @@
     </p:spTree>
     <p:extLst>
       <p:ext uri="{BB962C8B-B14F-4D97-AF65-F5344CB8AC3E}">
-        <p14:creationId xmlns:p14="http://schemas.microsoft.com/office/powerpoint/2010/main" val="4081342684"/>
+        <p14:creationId xmlns:p14="http://schemas.microsoft.com/office/powerpoint/2010/main" val="3741246855"/>
       </p:ext>
     </p:extLst>
   </p:cSld>
@@ -6739,7 +6868,7 @@
           <p:cNvPr id="2" name="Content Placeholder 1">
             <a:extLst>
               <a:ext uri="{FF2B5EF4-FFF2-40B4-BE49-F238E27FC236}">
-                <a16:creationId xmlns:a16="http://schemas.microsoft.com/office/drawing/2014/main" id="{3E75831E-1C6B-3542-A8E6-38E9FF024F86}"/>
+                <a16:creationId xmlns:a16="http://schemas.microsoft.com/office/drawing/2014/main" id="{38565ABD-7C47-8845-8A91-83627BE1F103}"/>
               </a:ext>
             </a:extLst>
           </p:cNvPr>
@@ -6756,75 +6885,8 @@
           <a:lstStyle/>
           <a:p>
             <a:r>
-              <a:rPr lang="en-US" sz="2400" dirty="0">
-                <a:solidFill>
-                  <a:schemeClr val="bg1">
-                    <a:lumMod val="85000"/>
-                  </a:schemeClr>
-                </a:solidFill>
-              </a:rPr>
-              <a:t>Introduction</a:t>
-            </a:r>
-          </a:p>
-          <a:p>
-            <a:r>
-              <a:rPr lang="en-US" sz="2400" dirty="0">
-                <a:solidFill>
-                  <a:schemeClr val="bg1">
-                    <a:lumMod val="85000"/>
-                  </a:schemeClr>
-                </a:solidFill>
-              </a:rPr>
-              <a:t>Detailed Implementation</a:t>
-            </a:r>
-          </a:p>
-          <a:p>
-            <a:r>
-              <a:rPr lang="en-US" sz="2400" dirty="0">
-                <a:solidFill>
-                  <a:schemeClr val="bg1">
-                    <a:lumMod val="85000"/>
-                  </a:schemeClr>
-                </a:solidFill>
-              </a:rPr>
-              <a:t>Results. Do they match expectations</a:t>
-            </a:r>
-          </a:p>
-          <a:p>
-            <a:r>
-              <a:rPr lang="en-US" sz="2400" dirty="0">
-                <a:solidFill>
-                  <a:schemeClr val="bg1">
-                    <a:lumMod val="85000"/>
-                  </a:schemeClr>
-                </a:solidFill>
-              </a:rPr>
-              <a:t>Differences and improvements compared to previous works</a:t>
-            </a:r>
-          </a:p>
-          <a:p>
-            <a:r>
               <a:rPr lang="en-US" sz="2400" dirty="0"/>
-              <a:t>Challenges met and solutions</a:t>
-            </a:r>
-            <a:endParaRPr lang="en-US" sz="2400" dirty="0">
-              <a:solidFill>
-                <a:schemeClr val="bg1">
-                  <a:lumMod val="85000"/>
-                </a:schemeClr>
-              </a:solidFill>
-            </a:endParaRPr>
-          </a:p>
-          <a:p>
-            <a:r>
-              <a:rPr lang="en-US" sz="2400" dirty="0">
-                <a:solidFill>
-                  <a:schemeClr val="bg1">
-                    <a:lumMod val="85000"/>
-                  </a:schemeClr>
-                </a:solidFill>
-              </a:rPr>
-              <a:t>Contributions of each team member</a:t>
+              <a:t>TBD</a:t>
             </a:r>
           </a:p>
         </p:txBody>
@@ -6834,7 +6896,7 @@
           <p:cNvPr id="3" name="Title 2">
             <a:extLst>
               <a:ext uri="{FF2B5EF4-FFF2-40B4-BE49-F238E27FC236}">
-                <a16:creationId xmlns:a16="http://schemas.microsoft.com/office/drawing/2014/main" id="{A292247C-C23C-464A-91BD-372A608AE8EF}"/>
+                <a16:creationId xmlns:a16="http://schemas.microsoft.com/office/drawing/2014/main" id="{3FBCADA3-B0FF-FB4A-AE2B-06CE1F5F13E3}"/>
               </a:ext>
             </a:extLst>
           </p:cNvPr>
@@ -6852,7 +6914,7 @@
           <a:p>
             <a:r>
               <a:rPr lang="en-US" dirty="0"/>
-              <a:t>Agenda</a:t>
+              <a:t>Differences and Improvements</a:t>
             </a:r>
           </a:p>
         </p:txBody>
@@ -6860,7 +6922,7 @@
     </p:spTree>
     <p:extLst>
       <p:ext uri="{BB962C8B-B14F-4D97-AF65-F5344CB8AC3E}">
-        <p14:creationId xmlns:p14="http://schemas.microsoft.com/office/powerpoint/2010/main" val="885603410"/>
+        <p14:creationId xmlns:p14="http://schemas.microsoft.com/office/powerpoint/2010/main" val="4081342684"/>
       </p:ext>
     </p:extLst>
   </p:cSld>
@@ -7025,65 +7087,75 @@
           <a:lstStyle/>
           <a:p>
             <a:r>
+              <a:rPr lang="en-US" sz="2400" dirty="0">
+                <a:solidFill>
+                  <a:schemeClr val="bg1">
+                    <a:lumMod val="85000"/>
+                  </a:schemeClr>
+                </a:solidFill>
+              </a:rPr>
+              <a:t>Introduction</a:t>
+            </a:r>
+          </a:p>
+          <a:p>
+            <a:r>
+              <a:rPr lang="en-US" sz="2400" dirty="0">
+                <a:solidFill>
+                  <a:schemeClr val="bg1">
+                    <a:lumMod val="85000"/>
+                  </a:schemeClr>
+                </a:solidFill>
+              </a:rPr>
+              <a:t>Detailed Implementation</a:t>
+            </a:r>
+          </a:p>
+          <a:p>
+            <a:r>
+              <a:rPr lang="en-US" sz="2400" dirty="0">
+                <a:solidFill>
+                  <a:schemeClr val="bg1">
+                    <a:lumMod val="85000"/>
+                  </a:schemeClr>
+                </a:solidFill>
+              </a:rPr>
+              <a:t>Results. Do they match expectations</a:t>
+            </a:r>
+          </a:p>
+          <a:p>
+            <a:r>
+              <a:rPr lang="en-US" sz="2400" dirty="0">
+                <a:solidFill>
+                  <a:schemeClr val="bg1">
+                    <a:lumMod val="85000"/>
+                  </a:schemeClr>
+                </a:solidFill>
+              </a:rPr>
+              <a:t>Differences and improvements compared to previous works</a:t>
+            </a:r>
+          </a:p>
+          <a:p>
+            <a:r>
               <a:rPr lang="en-US" sz="2400" dirty="0"/>
-              <a:t>Data Loading:</a:t>
-            </a:r>
-          </a:p>
-          <a:p>
-            <a:pPr lvl="1"/>
-            <a:r>
-              <a:rPr lang="en-US" sz="2000" dirty="0" err="1"/>
-              <a:t>ShapeNet</a:t>
-            </a:r>
-            <a:r>
-              <a:rPr lang="en-US" sz="2000" dirty="0"/>
-              <a:t> data has all data separated into class folders (e.g.  </a:t>
-            </a:r>
-            <a:r>
-              <a:rPr lang="en-US" sz="2000" dirty="0" err="1"/>
-              <a:t>ShapeNet</a:t>
-            </a:r>
-            <a:r>
-              <a:rPr lang="en-US" sz="2000" dirty="0"/>
-              <a:t>/</a:t>
-            </a:r>
-            <a:r>
-              <a:rPr lang="en-US" sz="2000" dirty="0" err="1"/>
-              <a:t>train_data</a:t>
-            </a:r>
-            <a:r>
-              <a:rPr lang="en-US" sz="2000" dirty="0"/>
-              <a:t>/</a:t>
-            </a:r>
-            <a:r>
-              <a:rPr lang="en-US" sz="2000" dirty="0" err="1"/>
-              <a:t>class_numbers</a:t>
-            </a:r>
-            <a:r>
-              <a:rPr lang="en-US" sz="2000" dirty="0"/>
-              <a:t>/collection of points)</a:t>
-            </a:r>
-          </a:p>
-          <a:p>
-            <a:pPr lvl="1"/>
-            <a:r>
-              <a:rPr lang="en-US" sz="2000" dirty="0"/>
-              <a:t>Need to shuffle all data together for </a:t>
-            </a:r>
-            <a:r>
-              <a:rPr lang="en-US" sz="2000" dirty="0" err="1"/>
-              <a:t>dataloader</a:t>
-            </a:r>
-            <a:r>
-              <a:rPr lang="en-US" sz="2000" dirty="0"/>
-              <a:t> used in training</a:t>
-            </a:r>
-          </a:p>
-          <a:p>
-            <a:pPr lvl="1"/>
-            <a:r>
-              <a:rPr lang="en-US" sz="2000" dirty="0"/>
-              <a:t>Point clouds do not have equal number of points </a:t>
+              <a:t>Challenges met and solutions</a:t>
+            </a:r>
+            <a:endParaRPr lang="en-US" sz="2400" dirty="0">
+              <a:solidFill>
+                <a:schemeClr val="bg1">
+                  <a:lumMod val="85000"/>
+                </a:schemeClr>
+              </a:solidFill>
+            </a:endParaRPr>
+          </a:p>
+          <a:p>
+            <a:r>
+              <a:rPr lang="en-US" sz="2400" dirty="0">
+                <a:solidFill>
+                  <a:schemeClr val="bg1">
+                    <a:lumMod val="85000"/>
+                  </a:schemeClr>
+                </a:solidFill>
+              </a:rPr>
+              <a:t>Contributions of each team member</a:t>
             </a:r>
           </a:p>
         </p:txBody>
@@ -7111,7 +7183,7 @@
           <a:p>
             <a:r>
               <a:rPr lang="en-US" dirty="0"/>
-              <a:t>Challenges</a:t>
+              <a:t>Agenda</a:t>
             </a:r>
           </a:p>
         </p:txBody>
@@ -7119,7 +7191,7 @@
     </p:spTree>
     <p:extLst>
       <p:ext uri="{BB962C8B-B14F-4D97-AF65-F5344CB8AC3E}">
-        <p14:creationId xmlns:p14="http://schemas.microsoft.com/office/powerpoint/2010/main" val="577296728"/>
+        <p14:creationId xmlns:p14="http://schemas.microsoft.com/office/powerpoint/2010/main" val="885603410"/>
       </p:ext>
     </p:extLst>
   </p:cSld>
@@ -7168,69 +7240,59 @@
           <a:lstStyle/>
           <a:p>
             <a:r>
-              <a:rPr lang="en-US" sz="2400" dirty="0">
-                <a:solidFill>
-                  <a:schemeClr val="bg1">
-                    <a:lumMod val="85000"/>
-                  </a:schemeClr>
-                </a:solidFill>
-              </a:rPr>
-              <a:t>Introduction</a:t>
-            </a:r>
-          </a:p>
-          <a:p>
-            <a:r>
-              <a:rPr lang="en-US" sz="2400" dirty="0">
-                <a:solidFill>
-                  <a:schemeClr val="bg1">
-                    <a:lumMod val="85000"/>
-                  </a:schemeClr>
-                </a:solidFill>
-              </a:rPr>
-              <a:t>Detailed Implementation</a:t>
-            </a:r>
-          </a:p>
-          <a:p>
-            <a:r>
-              <a:rPr lang="en-US" sz="2400" dirty="0">
-                <a:solidFill>
-                  <a:schemeClr val="bg1">
-                    <a:lumMod val="85000"/>
-                  </a:schemeClr>
-                </a:solidFill>
-              </a:rPr>
-              <a:t>Results. Do they match expectations</a:t>
-            </a:r>
-          </a:p>
-          <a:p>
-            <a:r>
-              <a:rPr lang="en-US" sz="2400" dirty="0">
-                <a:solidFill>
-                  <a:schemeClr val="bg1">
-                    <a:lumMod val="85000"/>
-                  </a:schemeClr>
-                </a:solidFill>
-              </a:rPr>
-              <a:t>Differences and improvements compared to previous works</a:t>
-            </a:r>
-          </a:p>
-          <a:p>
-            <a:r>
-              <a:rPr lang="en-US" sz="2400" dirty="0">
-                <a:solidFill>
-                  <a:schemeClr val="bg1">
-                    <a:lumMod val="85000"/>
-                  </a:schemeClr>
-                </a:solidFill>
-              </a:rPr>
-              <a:t>Challenges met and solutions</a:t>
-            </a:r>
-          </a:p>
-          <a:p>
-            <a:r>
               <a:rPr lang="en-US" sz="2400" dirty="0"/>
-              <a:t>Contributions of each team member</a:t>
-            </a:r>
+              <a:t>Data (</a:t>
+            </a:r>
+            <a:r>
+              <a:rPr lang="en-US" sz="2400" dirty="0" err="1"/>
+              <a:t>ShapeNet</a:t>
+            </a:r>
+            <a:r>
+              <a:rPr lang="en-US" sz="2400" dirty="0"/>
+              <a:t>):</a:t>
+            </a:r>
+          </a:p>
+          <a:p>
+            <a:pPr lvl="1"/>
+            <a:r>
+              <a:rPr lang="en-US" sz="2000" dirty="0"/>
+              <a:t>Point clouds do not have equal number of points: Solved via sampling with replacement</a:t>
+            </a:r>
+          </a:p>
+          <a:p>
+            <a:pPr lvl="1"/>
+            <a:r>
+              <a:rPr lang="en-US" sz="2000" dirty="0"/>
+              <a:t>Uneven data distribution (e.g. test set has 341 airplane </a:t>
+            </a:r>
+            <a:r>
+              <a:rPr lang="en-US" sz="2000" dirty="0" err="1"/>
+              <a:t>pointclouds</a:t>
+            </a:r>
+            <a:r>
+              <a:rPr lang="en-US" sz="2000" dirty="0"/>
+              <a:t> and 15 bag and earphone </a:t>
+            </a:r>
+            <a:r>
+              <a:rPr lang="en-US" sz="2000" dirty="0" err="1"/>
+              <a:t>pointclouds</a:t>
+            </a:r>
+            <a:r>
+              <a:rPr lang="en-US" sz="2000" dirty="0"/>
+              <a:t>): Solved via TODO</a:t>
+            </a:r>
+          </a:p>
+          <a:p>
+            <a:pPr lvl="1"/>
+            <a:endParaRPr lang="en-US" sz="2000" dirty="0"/>
+          </a:p>
+          <a:p>
+            <a:pPr lvl="1"/>
+            <a:endParaRPr lang="en-US" sz="2000" dirty="0"/>
+          </a:p>
+          <a:p>
+            <a:pPr lvl="1"/>
+            <a:endParaRPr lang="en-US" sz="2000" dirty="0"/>
           </a:p>
         </p:txBody>
       </p:sp>
@@ -7257,7 +7319,7 @@
           <a:p>
             <a:r>
               <a:rPr lang="en-US" dirty="0"/>
-              <a:t>Agenda</a:t>
+              <a:t>Challenges</a:t>
             </a:r>
           </a:p>
         </p:txBody>
@@ -7265,7 +7327,7 @@
     </p:spTree>
     <p:extLst>
       <p:ext uri="{BB962C8B-B14F-4D97-AF65-F5344CB8AC3E}">
-        <p14:creationId xmlns:p14="http://schemas.microsoft.com/office/powerpoint/2010/main" val="3423908790"/>
+        <p14:creationId xmlns:p14="http://schemas.microsoft.com/office/powerpoint/2010/main" val="577296728"/>
       </p:ext>
     </p:extLst>
   </p:cSld>
@@ -7297,7 +7359,7 @@
           <p:cNvPr id="2" name="Content Placeholder 1">
             <a:extLst>
               <a:ext uri="{FF2B5EF4-FFF2-40B4-BE49-F238E27FC236}">
-                <a16:creationId xmlns:a16="http://schemas.microsoft.com/office/drawing/2014/main" id="{74E56B35-0E75-194D-BF65-A1437CE1017B}"/>
+                <a16:creationId xmlns:a16="http://schemas.microsoft.com/office/drawing/2014/main" id="{3E75831E-1C6B-3542-A8E6-38E9FF024F86}"/>
               </a:ext>
             </a:extLst>
           </p:cNvPr>
@@ -7314,46 +7376,68 @@
           <a:lstStyle/>
           <a:p>
             <a:r>
+              <a:rPr lang="en-US" sz="2400" dirty="0">
+                <a:solidFill>
+                  <a:schemeClr val="bg1">
+                    <a:lumMod val="85000"/>
+                  </a:schemeClr>
+                </a:solidFill>
+              </a:rPr>
+              <a:t>Introduction</a:t>
+            </a:r>
+          </a:p>
+          <a:p>
+            <a:r>
+              <a:rPr lang="en-US" sz="2400" dirty="0">
+                <a:solidFill>
+                  <a:schemeClr val="bg1">
+                    <a:lumMod val="85000"/>
+                  </a:schemeClr>
+                </a:solidFill>
+              </a:rPr>
+              <a:t>Detailed Implementation</a:t>
+            </a:r>
+          </a:p>
+          <a:p>
+            <a:r>
+              <a:rPr lang="en-US" sz="2400" dirty="0">
+                <a:solidFill>
+                  <a:schemeClr val="bg1">
+                    <a:lumMod val="85000"/>
+                  </a:schemeClr>
+                </a:solidFill>
+              </a:rPr>
+              <a:t>Results. Do they match expectations</a:t>
+            </a:r>
+          </a:p>
+          <a:p>
+            <a:r>
+              <a:rPr lang="en-US" sz="2400" dirty="0">
+                <a:solidFill>
+                  <a:schemeClr val="bg1">
+                    <a:lumMod val="85000"/>
+                  </a:schemeClr>
+                </a:solidFill>
+              </a:rPr>
+              <a:t>Differences and improvements compared to previous works</a:t>
+            </a:r>
+          </a:p>
+          <a:p>
+            <a:r>
+              <a:rPr lang="en-US" sz="2400" dirty="0">
+                <a:solidFill>
+                  <a:schemeClr val="bg1">
+                    <a:lumMod val="85000"/>
+                  </a:schemeClr>
+                </a:solidFill>
+              </a:rPr>
+              <a:t>Challenges met and solutions</a:t>
+            </a:r>
+          </a:p>
+          <a:p>
+            <a:r>
               <a:rPr lang="en-US" sz="2400" dirty="0"/>
-              <a:t>Model Building</a:t>
-            </a:r>
-          </a:p>
-          <a:p>
-            <a:pPr lvl="1"/>
-            <a:r>
-              <a:rPr lang="en-US" sz="2000" dirty="0"/>
-              <a:t>Classification</a:t>
-            </a:r>
-          </a:p>
-          <a:p>
-            <a:pPr lvl="1"/>
-            <a:r>
-              <a:rPr lang="en-US" sz="2000" dirty="0"/>
-              <a:t>Segmentation</a:t>
-            </a:r>
-          </a:p>
-          <a:p>
-            <a:r>
-              <a:rPr lang="en-US" sz="2400" dirty="0"/>
-              <a:t>Data Loading</a:t>
-            </a:r>
-          </a:p>
-          <a:p>
-            <a:r>
-              <a:rPr lang="en-US" sz="2400" dirty="0"/>
-              <a:t>Visualization</a:t>
-            </a:r>
-          </a:p>
-          <a:p>
-            <a:r>
-              <a:rPr lang="en-US" sz="2400" dirty="0"/>
-              <a:t>Training </a:t>
-            </a:r>
-          </a:p>
-          <a:p>
-            <a:r>
-              <a:rPr lang="en-US" sz="2400" dirty="0"/>
-              <a:t>Testing</a:t>
+              <a:t>Contributions of each team member</a:t>
             </a:r>
           </a:p>
         </p:txBody>
@@ -7363,7 +7447,7 @@
           <p:cNvPr id="3" name="Title 2">
             <a:extLst>
               <a:ext uri="{FF2B5EF4-FFF2-40B4-BE49-F238E27FC236}">
-                <a16:creationId xmlns:a16="http://schemas.microsoft.com/office/drawing/2014/main" id="{02F071BF-C260-494A-B76E-5BD9CB735BD7}"/>
+                <a16:creationId xmlns:a16="http://schemas.microsoft.com/office/drawing/2014/main" id="{A292247C-C23C-464A-91BD-372A608AE8EF}"/>
               </a:ext>
             </a:extLst>
           </p:cNvPr>
@@ -7381,7 +7465,7 @@
           <a:p>
             <a:r>
               <a:rPr lang="en-US" dirty="0"/>
-              <a:t>Contributions</a:t>
+              <a:t>Agenda</a:t>
             </a:r>
           </a:p>
         </p:txBody>
@@ -7389,7 +7473,7 @@
     </p:spTree>
     <p:extLst>
       <p:ext uri="{BB962C8B-B14F-4D97-AF65-F5344CB8AC3E}">
-        <p14:creationId xmlns:p14="http://schemas.microsoft.com/office/powerpoint/2010/main" val="2682010655"/>
+        <p14:creationId xmlns:p14="http://schemas.microsoft.com/office/powerpoint/2010/main" val="3423908790"/>
       </p:ext>
     </p:extLst>
   </p:cSld>
@@ -7421,7 +7505,7 @@
           <p:cNvPr id="2" name="Content Placeholder 1">
             <a:extLst>
               <a:ext uri="{FF2B5EF4-FFF2-40B4-BE49-F238E27FC236}">
-                <a16:creationId xmlns:a16="http://schemas.microsoft.com/office/drawing/2014/main" id="{A61D128D-3AEC-E245-AB44-8B543DFE4736}"/>
+                <a16:creationId xmlns:a16="http://schemas.microsoft.com/office/drawing/2014/main" id="{74E56B35-0E75-194D-BF65-A1437CE1017B}"/>
               </a:ext>
             </a:extLst>
           </p:cNvPr>
@@ -7437,7 +7521,48 @@
           <a:bodyPr/>
           <a:lstStyle/>
           <a:p>
-            <a:endParaRPr lang="en-US" dirty="0"/>
+            <a:r>
+              <a:rPr lang="en-US" sz="2400" dirty="0"/>
+              <a:t>Model Building – Michael and Rishabh</a:t>
+            </a:r>
+          </a:p>
+          <a:p>
+            <a:pPr lvl="1"/>
+            <a:r>
+              <a:rPr lang="en-US" sz="2000" dirty="0"/>
+              <a:t>Classification</a:t>
+            </a:r>
+          </a:p>
+          <a:p>
+            <a:pPr lvl="1"/>
+            <a:r>
+              <a:rPr lang="en-US" sz="2000" dirty="0"/>
+              <a:t>Segmentation</a:t>
+            </a:r>
+          </a:p>
+          <a:p>
+            <a:r>
+              <a:rPr lang="en-US" sz="2400" dirty="0"/>
+              <a:t>Data Loading – Michael and Rishabh</a:t>
+            </a:r>
+          </a:p>
+          <a:p>
+            <a:r>
+              <a:rPr lang="en-US" sz="2400" dirty="0"/>
+              <a:t>Visualization – Michael </a:t>
+            </a:r>
+          </a:p>
+          <a:p>
+            <a:r>
+              <a:rPr lang="en-US" sz="2400" dirty="0"/>
+              <a:t>Training – Michael</a:t>
+            </a:r>
+          </a:p>
+          <a:p>
+            <a:r>
+              <a:rPr lang="en-US" sz="2400" dirty="0"/>
+              <a:t>Testing – Rishabh </a:t>
+            </a:r>
           </a:p>
         </p:txBody>
       </p:sp>
@@ -7446,7 +7571,7 @@
           <p:cNvPr id="3" name="Title 2">
             <a:extLst>
               <a:ext uri="{FF2B5EF4-FFF2-40B4-BE49-F238E27FC236}">
-                <a16:creationId xmlns:a16="http://schemas.microsoft.com/office/drawing/2014/main" id="{8C2C70FF-ED0F-F640-8861-E67E7679CB59}"/>
+                <a16:creationId xmlns:a16="http://schemas.microsoft.com/office/drawing/2014/main" id="{02F071BF-C260-494A-B76E-5BD9CB735BD7}"/>
               </a:ext>
             </a:extLst>
           </p:cNvPr>
@@ -7464,7 +7589,7 @@
           <a:p>
             <a:r>
               <a:rPr lang="en-US" dirty="0"/>
-              <a:t>Thanks!</a:t>
+              <a:t>Contributions</a:t>
             </a:r>
           </a:p>
         </p:txBody>
@@ -7472,7 +7597,7 @@
     </p:spTree>
     <p:extLst>
       <p:ext uri="{BB962C8B-B14F-4D97-AF65-F5344CB8AC3E}">
-        <p14:creationId xmlns:p14="http://schemas.microsoft.com/office/powerpoint/2010/main" val="1932572840"/>
+        <p14:creationId xmlns:p14="http://schemas.microsoft.com/office/powerpoint/2010/main" val="2682010655"/>
       </p:ext>
     </p:extLst>
   </p:cSld>
@@ -7504,6 +7629,89 @@
           <p:cNvPr id="2" name="Content Placeholder 1">
             <a:extLst>
               <a:ext uri="{FF2B5EF4-FFF2-40B4-BE49-F238E27FC236}">
+                <a16:creationId xmlns:a16="http://schemas.microsoft.com/office/drawing/2014/main" id="{A61D128D-3AEC-E245-AB44-8B543DFE4736}"/>
+              </a:ext>
+            </a:extLst>
+          </p:cNvPr>
+          <p:cNvSpPr>
+            <a:spLocks noGrp="1"/>
+          </p:cNvSpPr>
+          <p:nvPr>
+            <p:ph idx="1"/>
+          </p:nvPr>
+        </p:nvSpPr>
+        <p:spPr/>
+        <p:txBody>
+          <a:bodyPr/>
+          <a:lstStyle/>
+          <a:p>
+            <a:endParaRPr lang="en-US" dirty="0"/>
+          </a:p>
+        </p:txBody>
+      </p:sp>
+      <p:sp>
+        <p:nvSpPr>
+          <p:cNvPr id="3" name="Title 2">
+            <a:extLst>
+              <a:ext uri="{FF2B5EF4-FFF2-40B4-BE49-F238E27FC236}">
+                <a16:creationId xmlns:a16="http://schemas.microsoft.com/office/drawing/2014/main" id="{8C2C70FF-ED0F-F640-8861-E67E7679CB59}"/>
+              </a:ext>
+            </a:extLst>
+          </p:cNvPr>
+          <p:cNvSpPr>
+            <a:spLocks noGrp="1"/>
+          </p:cNvSpPr>
+          <p:nvPr>
+            <p:ph type="ctrTitle"/>
+          </p:nvPr>
+        </p:nvSpPr>
+        <p:spPr/>
+        <p:txBody>
+          <a:bodyPr/>
+          <a:lstStyle/>
+          <a:p>
+            <a:r>
+              <a:rPr lang="en-US" dirty="0"/>
+              <a:t>Thanks!</a:t>
+            </a:r>
+          </a:p>
+        </p:txBody>
+      </p:sp>
+    </p:spTree>
+    <p:extLst>
+      <p:ext uri="{BB962C8B-B14F-4D97-AF65-F5344CB8AC3E}">
+        <p14:creationId xmlns:p14="http://schemas.microsoft.com/office/powerpoint/2010/main" val="1932572840"/>
+      </p:ext>
+    </p:extLst>
+  </p:cSld>
+  <p:clrMapOvr>
+    <a:masterClrMapping/>
+  </p:clrMapOvr>
+</p:sld>
+</file>
+
+<file path=ppt/slides/slide25.xml><?xml version="1.0" encoding="utf-8"?>
+<p:sld xmlns:a="http://schemas.openxmlformats.org/drawingml/2006/main" xmlns:r="http://schemas.openxmlformats.org/officeDocument/2006/relationships" xmlns:p="http://schemas.openxmlformats.org/presentationml/2006/main">
+  <p:cSld>
+    <p:spTree>
+      <p:nvGrpSpPr>
+        <p:cNvPr id="1" name=""/>
+        <p:cNvGrpSpPr/>
+        <p:nvPr/>
+      </p:nvGrpSpPr>
+      <p:grpSpPr>
+        <a:xfrm>
+          <a:off x="0" y="0"/>
+          <a:ext cx="0" cy="0"/>
+          <a:chOff x="0" y="0"/>
+          <a:chExt cx="0" cy="0"/>
+        </a:xfrm>
+      </p:grpSpPr>
+      <p:sp>
+        <p:nvSpPr>
+          <p:cNvPr id="2" name="Content Placeholder 1">
+            <a:extLst>
+              <a:ext uri="{FF2B5EF4-FFF2-40B4-BE49-F238E27FC236}">
                 <a16:creationId xmlns:a16="http://schemas.microsoft.com/office/drawing/2014/main" id="{D134AD8D-B623-C149-9DE4-E4F0B45A5EEB}"/>
               </a:ext>
             </a:extLst>
@@ -7520,7 +7728,62 @@
           <a:bodyPr/>
           <a:lstStyle/>
           <a:p>
-            <a:endParaRPr lang="en-US" dirty="0"/>
+            <a:pPr marL="457200" indent="-457200">
+              <a:buFont typeface="+mj-lt"/>
+              <a:buAutoNum type="arabicPeriod"/>
+            </a:pPr>
+            <a:r>
+              <a:rPr lang="en-US" sz="2400" dirty="0"/>
+              <a:t>Qi, C. R., </a:t>
+            </a:r>
+            <a:r>
+              <a:rPr lang="en-US" sz="2400" dirty="0" err="1"/>
+              <a:t>Su</a:t>
+            </a:r>
+            <a:r>
+              <a:rPr lang="en-US" sz="2400" dirty="0"/>
+              <a:t>, H., Mo, K., and </a:t>
+            </a:r>
+            <a:r>
+              <a:rPr lang="en-US" sz="2400" dirty="0" err="1"/>
+              <a:t>Guibas</a:t>
+            </a:r>
+            <a:r>
+              <a:rPr lang="en-US" sz="2400" dirty="0"/>
+              <a:t>, L. J. </a:t>
+            </a:r>
+            <a:r>
+              <a:rPr lang="en-US" sz="2400" dirty="0" err="1"/>
+              <a:t>Pointnet</a:t>
+            </a:r>
+            <a:r>
+              <a:rPr lang="en-US" sz="2400" dirty="0"/>
+              <a:t>: Deep learning on point sets for 3d classification and </a:t>
+            </a:r>
+            <a:r>
+              <a:rPr lang="en-US" sz="2400" dirty="0" err="1"/>
+              <a:t>segmentation.CoRR</a:t>
+            </a:r>
+            <a:r>
+              <a:rPr lang="en-US" sz="2400" dirty="0"/>
+              <a:t>, abs/1612.00593, 2016. </a:t>
+            </a:r>
+            <a:r>
+              <a:rPr lang="en-US" sz="2400" dirty="0" err="1"/>
+              <a:t>URLhttp</a:t>
+            </a:r>
+            <a:r>
+              <a:rPr lang="en-US" sz="2400" dirty="0"/>
+              <a:t>://</a:t>
+            </a:r>
+            <a:r>
+              <a:rPr lang="en-US" sz="2400" dirty="0" err="1"/>
+              <a:t>arxiv.org</a:t>
+            </a:r>
+            <a:r>
+              <a:rPr lang="en-US" sz="2400" dirty="0"/>
+              <a:t>/abs/1612.00593</a:t>
+            </a:r>
           </a:p>
         </p:txBody>
       </p:sp>
@@ -7565,7 +7828,7 @@
 </p:sld>
 </file>
 
-<file path=ppt/slides/slide25.xml><?xml version="1.0" encoding="utf-8"?>
+<file path=ppt/slides/slide26.xml><?xml version="1.0" encoding="utf-8"?>
 <p:sld xmlns:a="http://schemas.openxmlformats.org/drawingml/2006/main" xmlns:r="http://schemas.openxmlformats.org/officeDocument/2006/relationships" xmlns:p="http://schemas.openxmlformats.org/presentationml/2006/main">
   <p:cSld>
     <p:spTree>
@@ -8097,22 +8360,82 @@
           <a:p>
             <a:r>
               <a:rPr lang="en-US" sz="2400" dirty="0"/>
+              <a:t>Why?</a:t>
+            </a:r>
+          </a:p>
+          <a:p>
+            <a:pPr lvl="1"/>
+            <a:r>
+              <a:rPr lang="en-US" sz="2000" dirty="0"/>
               <a:t>Point cloud are used in a variety of applications including robotics and self driving cars with the data generated from RGB-D(</a:t>
             </a:r>
             <a:r>
-              <a:rPr lang="en-US" sz="2400" dirty="0" err="1"/>
+              <a:rPr lang="en-US" sz="2000" dirty="0" err="1"/>
               <a:t>epth</a:t>
             </a:r>
             <a:r>
+              <a:rPr lang="en-US" sz="2000" dirty="0"/>
+              <a:t>), Stereo, and LiDAR</a:t>
+            </a:r>
+          </a:p>
+          <a:p>
+            <a:pPr lvl="1"/>
+            <a:r>
+              <a:rPr lang="en-US" sz="2000" dirty="0"/>
+              <a:t>Developing lightweight deep learning implementations that consume point cloud data will be useful for autonomous systems in performing segmentation and classification.</a:t>
+            </a:r>
+          </a:p>
+          <a:p>
+            <a:r>
               <a:rPr lang="en-US" sz="2400" dirty="0"/>
-              <a:t>), Stereo, and LiDAR</a:t>
-            </a:r>
-          </a:p>
-          <a:p>
-            <a:r>
-              <a:rPr lang="en-US" sz="2400" dirty="0"/>
-              <a:t>Developing lightweight deep learning implementations that consume point cloud data will be useful for autonomous systems in performing segmentation and classification.</a:t>
-            </a:r>
+              <a:t>Goals</a:t>
+            </a:r>
+          </a:p>
+          <a:p>
+            <a:pPr lvl="1"/>
+            <a:r>
+              <a:rPr lang="en-US" sz="2000" dirty="0"/>
+              <a:t>Implement </a:t>
+            </a:r>
+            <a:r>
+              <a:rPr lang="en-US" sz="2000" dirty="0" err="1"/>
+              <a:t>PointNet</a:t>
+            </a:r>
+            <a:r>
+              <a:rPr lang="en-US" sz="2000" dirty="0"/>
+              <a:t> in </a:t>
+            </a:r>
+            <a:r>
+              <a:rPr lang="en-US" sz="2000" dirty="0" err="1"/>
+              <a:t>PyTorch</a:t>
+            </a:r>
+            <a:endParaRPr lang="en-US" sz="2000" dirty="0"/>
+          </a:p>
+          <a:p>
+            <a:pPr lvl="1"/>
+            <a:r>
+              <a:rPr lang="en-US" sz="2000" dirty="0"/>
+              <a:t>Achieve similar accuracy as paper with </a:t>
+            </a:r>
+            <a:r>
+              <a:rPr lang="en-US" sz="2000" dirty="0" err="1"/>
+              <a:t>ShapeNet</a:t>
+            </a:r>
+            <a:r>
+              <a:rPr lang="en-US" sz="2000" dirty="0"/>
+              <a:t> Dataset</a:t>
+            </a:r>
+          </a:p>
+          <a:p>
+            <a:pPr lvl="1"/>
+            <a:r>
+              <a:rPr lang="en-US" sz="2000" dirty="0"/>
+              <a:t>Apply to Lyft dataset</a:t>
+            </a:r>
+          </a:p>
+          <a:p>
+            <a:pPr lvl="1"/>
+            <a:endParaRPr lang="en-US" sz="2000" dirty="0"/>
           </a:p>
         </p:txBody>
       </p:sp>
@@ -8498,7 +8821,7 @@
         </p:blipFill>
         <p:spPr>
           <a:xfrm>
-            <a:off x="457200" y="3083421"/>
+            <a:off x="454803" y="3082124"/>
             <a:ext cx="8231997" cy="3047999"/>
           </a:xfrm>
           <a:prstGeom prst="rect">

--- a/PowerPoints/EECE7398_Final_Project.pptx
+++ b/PowerPoints/EECE7398_Final_Project.pptx
@@ -5,7 +5,7 @@
     <p:sldMasterId id="2147483661" r:id="rId1"/>
   </p:sldMasterIdLst>
   <p:notesMasterIdLst>
-    <p:notesMasterId r:id="rId28"/>
+    <p:notesMasterId r:id="rId26"/>
   </p:notesMasterIdLst>
   <p:sldIdLst>
     <p:sldId id="266" r:id="rId2"/>
@@ -18,22 +18,20 @@
     <p:sldId id="290" r:id="rId9"/>
     <p:sldId id="302" r:id="rId10"/>
     <p:sldId id="303" r:id="rId11"/>
-    <p:sldId id="297" r:id="rId12"/>
-    <p:sldId id="300" r:id="rId13"/>
-    <p:sldId id="298" r:id="rId14"/>
-    <p:sldId id="299" r:id="rId15"/>
+    <p:sldId id="319" r:id="rId12"/>
+    <p:sldId id="299" r:id="rId13"/>
+    <p:sldId id="313" r:id="rId14"/>
+    <p:sldId id="292" r:id="rId15"/>
     <p:sldId id="318" r:id="rId16"/>
-    <p:sldId id="313" r:id="rId17"/>
-    <p:sldId id="292" r:id="rId18"/>
-    <p:sldId id="312" r:id="rId19"/>
-    <p:sldId id="293" r:id="rId20"/>
-    <p:sldId id="311" r:id="rId21"/>
-    <p:sldId id="291" r:id="rId22"/>
-    <p:sldId id="310" r:id="rId23"/>
-    <p:sldId id="294" r:id="rId24"/>
-    <p:sldId id="283" r:id="rId25"/>
-    <p:sldId id="301" r:id="rId26"/>
-    <p:sldId id="295" r:id="rId27"/>
+    <p:sldId id="312" r:id="rId17"/>
+    <p:sldId id="293" r:id="rId18"/>
+    <p:sldId id="311" r:id="rId19"/>
+    <p:sldId id="291" r:id="rId20"/>
+    <p:sldId id="310" r:id="rId21"/>
+    <p:sldId id="294" r:id="rId22"/>
+    <p:sldId id="283" r:id="rId23"/>
+    <p:sldId id="301" r:id="rId24"/>
+    <p:sldId id="295" r:id="rId25"/>
   </p:sldIdLst>
   <p:sldSz cx="9144000" cy="6858000" type="screen4x3"/>
   <p:notesSz cx="6858000" cy="9144000"/>
@@ -319,7 +317,7 @@
           <a:p>
             <a:fld id="{FB67E610-DBB5-964A-A213-D459E2805448}" type="datetimeFigureOut">
               <a:rPr lang="en-US" smtClean="0"/>
-              <a:t>4/20/20</a:t>
+              <a:t>4/21/20</a:t>
             </a:fld>
             <a:endParaRPr lang="en-US"/>
           </a:p>
@@ -738,7 +736,7 @@
           <a:p>
             <a:fld id="{103D3F82-566A-6B45-B3F8-F4D88BD077DC}" type="slidenum">
               <a:rPr lang="en-US" smtClean="0"/>
-              <a:t>16</a:t>
+              <a:t>13</a:t>
             </a:fld>
             <a:endParaRPr lang="en-US"/>
           </a:p>
@@ -822,7 +820,7 @@
           <a:p>
             <a:fld id="{103D3F82-566A-6B45-B3F8-F4D88BD077DC}" type="slidenum">
               <a:rPr lang="en-US" smtClean="0"/>
-              <a:t>18</a:t>
+              <a:t>15</a:t>
             </a:fld>
             <a:endParaRPr lang="en-US"/>
           </a:p>
@@ -831,7 +829,7 @@
     </p:spTree>
     <p:extLst>
       <p:ext uri="{BB962C8B-B14F-4D97-AF65-F5344CB8AC3E}">
-        <p14:creationId xmlns:p14="http://schemas.microsoft.com/office/powerpoint/2010/main" val="1484243724"/>
+        <p14:creationId xmlns:p14="http://schemas.microsoft.com/office/powerpoint/2010/main" val="796808275"/>
       </p:ext>
     </p:extLst>
   </p:cSld>
@@ -906,7 +904,7 @@
           <a:p>
             <a:fld id="{103D3F82-566A-6B45-B3F8-F4D88BD077DC}" type="slidenum">
               <a:rPr lang="en-US" smtClean="0"/>
-              <a:t>20</a:t>
+              <a:t>16</a:t>
             </a:fld>
             <a:endParaRPr lang="en-US"/>
           </a:p>
@@ -915,7 +913,7 @@
     </p:spTree>
     <p:extLst>
       <p:ext uri="{BB962C8B-B14F-4D97-AF65-F5344CB8AC3E}">
-        <p14:creationId xmlns:p14="http://schemas.microsoft.com/office/powerpoint/2010/main" val="1341734787"/>
+        <p14:creationId xmlns:p14="http://schemas.microsoft.com/office/powerpoint/2010/main" val="1484243724"/>
       </p:ext>
     </p:extLst>
   </p:cSld>
@@ -990,7 +988,7 @@
           <a:p>
             <a:fld id="{103D3F82-566A-6B45-B3F8-F4D88BD077DC}" type="slidenum">
               <a:rPr lang="en-US" smtClean="0"/>
-              <a:t>22</a:t>
+              <a:t>18</a:t>
             </a:fld>
             <a:endParaRPr lang="en-US"/>
           </a:p>
@@ -999,7 +997,7 @@
     </p:spTree>
     <p:extLst>
       <p:ext uri="{BB962C8B-B14F-4D97-AF65-F5344CB8AC3E}">
-        <p14:creationId xmlns:p14="http://schemas.microsoft.com/office/powerpoint/2010/main" val="926611856"/>
+        <p14:creationId xmlns:p14="http://schemas.microsoft.com/office/powerpoint/2010/main" val="1341734787"/>
       </p:ext>
     </p:extLst>
   </p:cSld>
@@ -1074,7 +1072,91 @@
           <a:p>
             <a:fld id="{103D3F82-566A-6B45-B3F8-F4D88BD077DC}" type="slidenum">
               <a:rPr lang="en-US" smtClean="0"/>
-              <a:t>24</a:t>
+              <a:t>20</a:t>
+            </a:fld>
+            <a:endParaRPr lang="en-US"/>
+          </a:p>
+        </p:txBody>
+      </p:sp>
+    </p:spTree>
+    <p:extLst>
+      <p:ext uri="{BB962C8B-B14F-4D97-AF65-F5344CB8AC3E}">
+        <p14:creationId xmlns:p14="http://schemas.microsoft.com/office/powerpoint/2010/main" val="926611856"/>
+      </p:ext>
+    </p:extLst>
+  </p:cSld>
+  <p:clrMapOvr>
+    <a:masterClrMapping/>
+  </p:clrMapOvr>
+</p:notes>
+</file>
+
+<file path=ppt/notesSlides/notesSlide15.xml><?xml version="1.0" encoding="utf-8"?>
+<p:notes xmlns:a="http://schemas.openxmlformats.org/drawingml/2006/main" xmlns:r="http://schemas.openxmlformats.org/officeDocument/2006/relationships" xmlns:p="http://schemas.openxmlformats.org/presentationml/2006/main">
+  <p:cSld>
+    <p:spTree>
+      <p:nvGrpSpPr>
+        <p:cNvPr id="1" name=""/>
+        <p:cNvGrpSpPr/>
+        <p:nvPr/>
+      </p:nvGrpSpPr>
+      <p:grpSpPr>
+        <a:xfrm>
+          <a:off x="0" y="0"/>
+          <a:ext cx="0" cy="0"/>
+          <a:chOff x="0" y="0"/>
+          <a:chExt cx="0" cy="0"/>
+        </a:xfrm>
+      </p:grpSpPr>
+      <p:sp>
+        <p:nvSpPr>
+          <p:cNvPr id="2" name="Slide Image Placeholder 1"/>
+          <p:cNvSpPr>
+            <a:spLocks noGrp="1" noRot="1" noChangeAspect="1"/>
+          </p:cNvSpPr>
+          <p:nvPr>
+            <p:ph type="sldImg"/>
+          </p:nvPr>
+        </p:nvSpPr>
+        <p:spPr/>
+      </p:sp>
+      <p:sp>
+        <p:nvSpPr>
+          <p:cNvPr id="3" name="Notes Placeholder 2"/>
+          <p:cNvSpPr>
+            <a:spLocks noGrp="1"/>
+          </p:cNvSpPr>
+          <p:nvPr>
+            <p:ph type="body" idx="1"/>
+          </p:nvPr>
+        </p:nvSpPr>
+        <p:spPr/>
+        <p:txBody>
+          <a:bodyPr/>
+          <a:lstStyle/>
+          <a:p>
+            <a:endParaRPr lang="en-US" dirty="0"/>
+          </a:p>
+        </p:txBody>
+      </p:sp>
+      <p:sp>
+        <p:nvSpPr>
+          <p:cNvPr id="4" name="Slide Number Placeholder 3"/>
+          <p:cNvSpPr>
+            <a:spLocks noGrp="1"/>
+          </p:cNvSpPr>
+          <p:nvPr>
+            <p:ph type="sldNum" sz="quarter" idx="5"/>
+          </p:nvPr>
+        </p:nvSpPr>
+        <p:spPr/>
+        <p:txBody>
+          <a:bodyPr/>
+          <a:lstStyle/>
+          <a:p>
+            <a:fld id="{103D3F82-566A-6B45-B3F8-F4D88BD077DC}" type="slidenum">
+              <a:rPr lang="en-US" smtClean="0"/>
+              <a:t>22</a:t>
             </a:fld>
             <a:endParaRPr lang="en-US"/>
           </a:p>
@@ -1653,17 +1735,73 @@
           <a:lstStyle/>
           <a:p>
             <a:r>
-              <a:rPr lang="en-US" dirty="0"/>
-              <a:t>Choices for input invariance: Sort list (doesn’t scale and bad with </a:t>
-            </a:r>
-            <a:r>
-              <a:rPr lang="en-US" dirty="0" err="1"/>
-              <a:t>pertubations</a:t>
-            </a:r>
-            <a:r>
-              <a:rPr lang="en-US" dirty="0"/>
-              <a:t>), Use RNN (doesn’t scale)</a:t>
-            </a:r>
+              <a:rPr lang="en-US" sz="1200" dirty="0"/>
+              <a:t>Network learns set of optimization functions/criteria that select interesting or informative points of the point cloud and encode the reason for their selection</a:t>
+            </a:r>
+          </a:p>
+          <a:p>
+            <a:r>
+              <a:rPr lang="en-US" sz="1200" dirty="0"/>
+              <a:t>Fully connected layers of the network aggregate learnt optimal values into the global descriptor for entire shape (shape classification) or are used to predict per point labels (shape segmentation)</a:t>
+            </a:r>
+          </a:p>
+          <a:p>
+            <a:r>
+              <a:rPr lang="en-US" sz="1200" dirty="0"/>
+              <a:t>Easy to add transformations as each point transforms independently</a:t>
+            </a:r>
+          </a:p>
+          <a:p>
+            <a:endParaRPr lang="en-US" dirty="0"/>
+          </a:p>
+          <a:p>
+            <a:r>
+              <a:rPr lang="en-US" sz="2800" dirty="0"/>
+              <a:t>Symmetry Function for Unordered Input:</a:t>
+            </a:r>
+          </a:p>
+          <a:p>
+            <a:pPr lvl="1"/>
+            <a:r>
+              <a:rPr lang="en-US" sz="2400" dirty="0"/>
+              <a:t>For invariance to input permutation</a:t>
+            </a:r>
+          </a:p>
+          <a:p>
+            <a:pPr lvl="1"/>
+            <a:r>
+              <a:rPr lang="en-US" sz="2400" dirty="0"/>
+              <a:t>Aggregate each input into a vector that is invariant to input order by using + and * operators.</a:t>
+            </a:r>
+          </a:p>
+          <a:p>
+            <a:r>
+              <a:rPr lang="en-US" sz="2800" dirty="0"/>
+              <a:t>Local and Global Information Aggregation:</a:t>
+            </a:r>
+          </a:p>
+          <a:p>
+            <a:pPr lvl="1"/>
+            <a:r>
+              <a:rPr lang="en-US" sz="2400" dirty="0"/>
+              <a:t>Used for segmentation</a:t>
+            </a:r>
+          </a:p>
+          <a:p>
+            <a:r>
+              <a:rPr lang="en-US" sz="2800" dirty="0"/>
+              <a:t>Joint Alignment Network:</a:t>
+            </a:r>
+          </a:p>
+          <a:p>
+            <a:pPr lvl="1"/>
+            <a:r>
+              <a:rPr lang="en-US" sz="2400" dirty="0"/>
+              <a:t>Used for segmentation</a:t>
+            </a:r>
+          </a:p>
+          <a:p>
+            <a:endParaRPr lang="en-US" dirty="0"/>
           </a:p>
         </p:txBody>
       </p:sp>
@@ -1684,7 +1822,7 @@
           <a:p>
             <a:fld id="{103D3F82-566A-6B45-B3F8-F4D88BD077DC}" type="slidenum">
               <a:rPr lang="en-US" smtClean="0"/>
-              <a:t>12</a:t>
+              <a:t>11</a:t>
             </a:fld>
             <a:endParaRPr lang="en-US"/>
           </a:p>
@@ -1693,7 +1831,7 @@
     </p:spTree>
     <p:extLst>
       <p:ext uri="{BB962C8B-B14F-4D97-AF65-F5344CB8AC3E}">
-        <p14:creationId xmlns:p14="http://schemas.microsoft.com/office/powerpoint/2010/main" val="3703803557"/>
+        <p14:creationId xmlns:p14="http://schemas.microsoft.com/office/powerpoint/2010/main" val="3400508288"/>
       </p:ext>
     </p:extLst>
   </p:cSld>
@@ -1816,7 +1954,7 @@
           <a:p>
             <a:fld id="{103D3F82-566A-6B45-B3F8-F4D88BD077DC}" type="slidenum">
               <a:rPr lang="en-US" smtClean="0"/>
-              <a:t>14</a:t>
+              <a:t>12</a:t>
             </a:fld>
             <a:endParaRPr lang="en-US"/>
           </a:p>
@@ -1880,14 +2018,14 @@
           </a:ln>
           <a:extLst>
             <a:ext uri="{909E8E84-426E-40dd-AFC4-6F175D3DCCD1}">
-              <a14:hiddenFill xmlns="" xmlns:a14="http://schemas.microsoft.com/office/drawing/2010/main">
+              <a14:hiddenFill xmlns:a14="http://schemas.microsoft.com/office/drawing/2010/main" xmlns="">
                 <a:solidFill>
                   <a:srgbClr val="FFFFFF"/>
                 </a:solidFill>
               </a14:hiddenFill>
             </a:ext>
             <a:ext uri="{91240B29-F687-4f45-9708-019B960494DF}">
-              <a14:hiddenLine xmlns="" xmlns:a14="http://schemas.microsoft.com/office/drawing/2010/main" w="9525">
+              <a14:hiddenLine xmlns:a14="http://schemas.microsoft.com/office/drawing/2010/main" xmlns="" w="9525">
                 <a:solidFill>
                   <a:srgbClr val="000000"/>
                 </a:solidFill>
@@ -2105,14 +2243,14 @@
           </a:ln>
           <a:extLst>
             <a:ext uri="{909E8E84-426E-40dd-AFC4-6F175D3DCCD1}">
-              <a14:hiddenFill xmlns="" xmlns:a14="http://schemas.microsoft.com/office/drawing/2010/main">
+              <a14:hiddenFill xmlns:a14="http://schemas.microsoft.com/office/drawing/2010/main" xmlns="">
                 <a:solidFill>
                   <a:srgbClr val="FFFFFF"/>
                 </a:solidFill>
               </a14:hiddenFill>
             </a:ext>
             <a:ext uri="{91240B29-F687-4f45-9708-019B960494DF}">
-              <a14:hiddenLine xmlns="" xmlns:a14="http://schemas.microsoft.com/office/drawing/2010/main" w="9525">
+              <a14:hiddenLine xmlns:a14="http://schemas.microsoft.com/office/drawing/2010/main" xmlns="" w="9525">
                 <a:solidFill>
                   <a:srgbClr val="000000"/>
                 </a:solidFill>
@@ -2276,7 +2414,7 @@
             <a:fld id="{79279E35-9C39-41A3-B9D2-5278FD6D8DDC}" type="datetimeFigureOut">
               <a:rPr lang="en-US" altLang="en-US"/>
               <a:pPr/>
-              <a:t>4/20/20</a:t>
+              <a:t>4/21/20</a:t>
             </a:fld>
             <a:endParaRPr lang="en-US" altLang="en-US"/>
           </a:p>
@@ -2640,7 +2778,7 @@
             <a:fld id="{BF458AF3-BD15-4BFB-A60F-262C4444305D}" type="datetimeFigureOut">
               <a:rPr lang="en-US" altLang="en-US"/>
               <a:pPr/>
-              <a:t>4/20/20</a:t>
+              <a:t>4/21/20</a:t>
             </a:fld>
             <a:endParaRPr lang="en-US" altLang="en-US"/>
           </a:p>
@@ -2923,7 +3061,7 @@
             <a:fld id="{4E4E1B3A-F39C-4D4C-AF0D-7BF0EBF1902C}" type="datetimeFigureOut">
               <a:rPr lang="en-US" altLang="en-US"/>
               <a:pPr/>
-              <a:t>4/20/20</a:t>
+              <a:t>4/21/20</a:t>
             </a:fld>
             <a:endParaRPr lang="en-US" altLang="en-US"/>
           </a:p>
@@ -3254,7 +3392,7 @@
             <a:fld id="{11EB6960-3233-4EAA-8FC5-02B034967A69}" type="datetimeFigureOut">
               <a:rPr lang="en-US" altLang="en-US"/>
               <a:pPr/>
-              <a:t>4/20/20</a:t>
+              <a:t>4/21/20</a:t>
             </a:fld>
             <a:endParaRPr lang="en-US" altLang="en-US"/>
           </a:p>
@@ -3716,7 +3854,7 @@
             <a:fld id="{E187BA0A-8D26-4FB9-BFB6-61C76F975855}" type="datetimeFigureOut">
               <a:rPr lang="en-US" altLang="en-US"/>
               <a:pPr/>
-              <a:t>4/20/20</a:t>
+              <a:t>4/21/20</a:t>
             </a:fld>
             <a:endParaRPr lang="en-US" altLang="en-US"/>
           </a:p>
@@ -3882,7 +4020,7 @@
             <a:fld id="{03AC124E-09A9-42FF-9A8C-8BCA62660993}" type="datetimeFigureOut">
               <a:rPr lang="en-US" altLang="en-US"/>
               <a:pPr/>
-              <a:t>4/20/20</a:t>
+              <a:t>4/21/20</a:t>
             </a:fld>
             <a:endParaRPr lang="en-US" altLang="en-US"/>
           </a:p>
@@ -4012,7 +4150,7 @@
             <a:fld id="{E4803E2A-D4C0-49FB-A4B7-C3A8CF9033CC}" type="datetimeFigureOut">
               <a:rPr lang="en-US" altLang="en-US"/>
               <a:pPr/>
-              <a:t>4/20/20</a:t>
+              <a:t>4/21/20</a:t>
             </a:fld>
             <a:endParaRPr lang="en-US" altLang="en-US"/>
           </a:p>
@@ -4325,7 +4463,7 @@
             <a:fld id="{018C8D68-1076-49DE-A007-41D011960D8A}" type="datetimeFigureOut">
               <a:rPr lang="en-US" altLang="en-US"/>
               <a:pPr/>
-              <a:t>4/20/20</a:t>
+              <a:t>4/21/20</a:t>
             </a:fld>
             <a:endParaRPr lang="en-US" altLang="en-US"/>
           </a:p>
@@ -4621,7 +4759,7 @@
             <a:fld id="{05E9DDD0-ED68-4B58-8EE7-EAAD76738E86}" type="datetimeFigureOut">
               <a:rPr lang="en-US" altLang="en-US"/>
               <a:pPr/>
-              <a:t>4/20/20</a:t>
+              <a:t>4/21/20</a:t>
             </a:fld>
             <a:endParaRPr lang="en-US" altLang="en-US"/>
           </a:p>
@@ -4868,7 +5006,7 @@
             <a:fld id="{AB3985E2-B91B-43B4-A7C6-C571D16267EB}" type="datetimeFigureOut">
               <a:rPr lang="en-US" altLang="en-US"/>
               <a:pPr/>
-              <a:t>4/20/20</a:t>
+              <a:t>4/21/20</a:t>
             </a:fld>
             <a:endParaRPr lang="en-US" altLang="en-US"/>
           </a:p>
@@ -5691,8 +5829,44 @@
           <a:p>
             <a:r>
               <a:rPr lang="en-US" sz="2400" dirty="0"/>
-              <a:t>Details on Feature Transform</a:t>
-            </a:r>
+              <a:t>Shared MLP use Conv1D function in </a:t>
+            </a:r>
+            <a:r>
+              <a:rPr lang="en-US" sz="2400" dirty="0" err="1"/>
+              <a:t>PyTorch</a:t>
+            </a:r>
+            <a:endParaRPr lang="en-US" sz="2400" dirty="0"/>
+          </a:p>
+          <a:p>
+            <a:r>
+              <a:rPr lang="en-US" sz="2400" dirty="0"/>
+              <a:t>All layers use </a:t>
+            </a:r>
+            <a:r>
+              <a:rPr lang="en-US" sz="2400" dirty="0" err="1"/>
+              <a:t>ReLU</a:t>
+            </a:r>
+            <a:r>
+              <a:rPr lang="en-US" sz="2400" dirty="0"/>
+              <a:t> and Batch Normalization</a:t>
+            </a:r>
+          </a:p>
+          <a:p>
+            <a:r>
+              <a:rPr lang="en-US" sz="2400" dirty="0"/>
+              <a:t>Loss: Cross Entropy</a:t>
+            </a:r>
+          </a:p>
+          <a:p>
+            <a:r>
+              <a:rPr lang="en-US" sz="2400" dirty="0"/>
+              <a:t>Optimizer: Adam</a:t>
+            </a:r>
+            <a:r>
+              <a:rPr lang="en-US" sz="2000" dirty="0"/>
+              <a:t> (Learning Rate: 0.001, No Weight Decay</a:t>
+            </a:r>
+            <a:endParaRPr lang="en-US" sz="2400" dirty="0"/>
           </a:p>
         </p:txBody>
       </p:sp>
@@ -5719,8 +5893,13 @@
           <a:p>
             <a:r>
               <a:rPr lang="en-US" dirty="0"/>
-              <a:t>Implementation: Feature Transform</a:t>
-            </a:r>
+              <a:t>Implementation: </a:t>
+            </a:r>
+            <a:r>
+              <a:rPr lang="en-US" dirty="0" err="1"/>
+              <a:t>Detials</a:t>
+            </a:r>
+            <a:endParaRPr lang="en-US" dirty="0"/>
           </a:p>
         </p:txBody>
       </p:sp>
@@ -5746,7 +5925,7 @@
         </p:blipFill>
         <p:spPr>
           <a:xfrm>
-            <a:off x="457200" y="3083421"/>
+            <a:off x="457200" y="3429000"/>
             <a:ext cx="8231997" cy="3047999"/>
           </a:xfrm>
           <a:prstGeom prst="rect">
@@ -5807,20 +5986,44 @@
           <a:p>
             <a:r>
               <a:rPr lang="en-US" sz="2400" dirty="0"/>
-              <a:t>Network learns set of optimization functions/criteria that select interesting or informative points of the point cloud and encode the reason for their selection</a:t>
+              <a:t>Symmetry Functions used to make input invariant to permutations</a:t>
             </a:r>
           </a:p>
           <a:p>
             <a:r>
               <a:rPr lang="en-US" sz="2400" dirty="0"/>
-              <a:t>Fully connected layers of the network aggregate learnt optimal values into the global descriptor for entire shape (shape classification) or are used to predict per point labels (shape segmentation)</a:t>
+              <a:t>Local and Global information is aggregated to improve point segmentation</a:t>
             </a:r>
           </a:p>
           <a:p>
             <a:r>
               <a:rPr lang="en-US" sz="2400" dirty="0"/>
-              <a:t>Easy to add transformations as each point transforms independently</a:t>
-            </a:r>
+              <a:t>Invariant to rigid transformations (translation, rotation)</a:t>
+            </a:r>
+          </a:p>
+          <a:p>
+            <a:r>
+              <a:rPr lang="en-US" sz="2400" dirty="0"/>
+              <a:t>Network learns to summarize an input point cloud by a sparse set of key points aka the skeleton of the object</a:t>
+            </a:r>
+          </a:p>
+          <a:p>
+            <a:r>
+              <a:rPr lang="en-US" sz="2400" dirty="0"/>
+              <a:t>Robust to small perturbation of input points as well as corruption to outliers and missing data</a:t>
+            </a:r>
+          </a:p>
+          <a:p>
+            <a:endParaRPr lang="en-US" sz="2400" dirty="0"/>
+          </a:p>
+          <a:p>
+            <a:pPr marL="0" indent="0">
+              <a:buNone/>
+            </a:pPr>
+            <a:endParaRPr lang="en-US" sz="2400" dirty="0"/>
+          </a:p>
+          <a:p>
+            <a:endParaRPr lang="en-US" sz="2400" dirty="0"/>
           </a:p>
         </p:txBody>
       </p:sp>
@@ -5847,7 +6050,7 @@
           <a:p>
             <a:r>
               <a:rPr lang="en-US" dirty="0"/>
-              <a:t>Implementation: Overview</a:t>
+              <a:t>Claims</a:t>
             </a:r>
           </a:p>
         </p:txBody>
@@ -5855,7 +6058,7 @@
     </p:spTree>
     <p:extLst>
       <p:ext uri="{BB962C8B-B14F-4D97-AF65-F5344CB8AC3E}">
-        <p14:creationId xmlns:p14="http://schemas.microsoft.com/office/powerpoint/2010/main" val="4277456722"/>
+        <p14:creationId xmlns:p14="http://schemas.microsoft.com/office/powerpoint/2010/main" val="2698737901"/>
       </p:ext>
     </p:extLst>
   </p:cSld>
@@ -5887,7 +6090,7 @@
           <p:cNvPr id="2" name="Content Placeholder 1">
             <a:extLst>
               <a:ext uri="{FF2B5EF4-FFF2-40B4-BE49-F238E27FC236}">
-                <a16:creationId xmlns:a16="http://schemas.microsoft.com/office/drawing/2014/main" id="{CF109349-8E05-9E46-9BD3-FCDC65353B38}"/>
+                <a16:creationId xmlns:a16="http://schemas.microsoft.com/office/drawing/2014/main" id="{29B15DEB-18A4-4F4D-9A65-E47EF883A455}"/>
               </a:ext>
             </a:extLst>
           </p:cNvPr>
@@ -5898,54 +6101,55 @@
             <p:ph idx="1"/>
           </p:nvPr>
         </p:nvSpPr>
-        <p:spPr/>
+        <p:spPr>
+          <a:xfrm>
+            <a:off x="457200" y="1600202"/>
+            <a:ext cx="5257800" cy="4525963"/>
+          </a:xfrm>
+        </p:spPr>
         <p:txBody>
           <a:bodyPr/>
           <a:lstStyle/>
           <a:p>
             <a:r>
-              <a:rPr lang="en-US" sz="2800" dirty="0"/>
-              <a:t>Symmetry Function for Unordered Input:</a:t>
+              <a:rPr lang="en-US" sz="2400" dirty="0"/>
+              <a:t>Stanford </a:t>
+            </a:r>
+            <a:r>
+              <a:rPr lang="en-US" sz="2400" dirty="0" err="1"/>
+              <a:t>ShapeNet</a:t>
+            </a:r>
+            <a:r>
+              <a:rPr lang="en-US" sz="2400" dirty="0"/>
+              <a:t>: Reconstruction and Segmentation</a:t>
             </a:r>
           </a:p>
           <a:p>
             <a:pPr lvl="1"/>
             <a:r>
-              <a:rPr lang="en-US" sz="2400" dirty="0"/>
-              <a:t>For invariance to input permutation</a:t>
+              <a:rPr lang="en-US" sz="2000" dirty="0"/>
+              <a:t>17,000 models from 16 shape categories</a:t>
             </a:r>
           </a:p>
           <a:p>
             <a:pPr lvl="1"/>
             <a:r>
-              <a:rPr lang="en-US" sz="2400" dirty="0"/>
-              <a:t>Aggregate each input into a vector that is invariant to input order by using + and * operators.</a:t>
-            </a:r>
-          </a:p>
-          <a:p>
-            <a:r>
-              <a:rPr lang="en-US" sz="2800" dirty="0"/>
-              <a:t>Local and Global Information Aggregation:</a:t>
+              <a:rPr lang="en-US" sz="2000" dirty="0"/>
+              <a:t>Each category has 2 to 6 parts with 50 different parts annotated in total.</a:t>
             </a:r>
           </a:p>
           <a:p>
             <a:pPr lvl="1"/>
             <a:r>
-              <a:rPr lang="en-US" sz="2400" dirty="0"/>
-              <a:t>Used for segmentation</a:t>
-            </a:r>
-          </a:p>
-          <a:p>
-            <a:r>
-              <a:rPr lang="en-US" sz="2800" dirty="0"/>
-              <a:t>Joint Alignment Network:</a:t>
+              <a:rPr lang="en-US" sz="2000" dirty="0"/>
+              <a:t>Point Cloud shapes generated from uniformly sampled 3D surfaces.</a:t>
             </a:r>
           </a:p>
           <a:p>
             <a:pPr lvl="1"/>
             <a:r>
-              <a:rPr lang="en-US" sz="2400" dirty="0"/>
-              <a:t>Used for segmentation</a:t>
+              <a:rPr lang="en-US" sz="2000" dirty="0"/>
+              <a:t>Shapes: Airplane, Bag, Cap, Chair, Earphone, Guitar, Knife, Lamp, Laptop, Motorbike, Mug, Pistol, Rocket, Skateboard, Table</a:t>
             </a:r>
           </a:p>
         </p:txBody>
@@ -5955,7 +6159,7 @@
           <p:cNvPr id="3" name="Title 2">
             <a:extLst>
               <a:ext uri="{FF2B5EF4-FFF2-40B4-BE49-F238E27FC236}">
-                <a16:creationId xmlns:a16="http://schemas.microsoft.com/office/drawing/2014/main" id="{3A888197-5490-FF4F-957B-D2F2697C28AB}"/>
+                <a16:creationId xmlns:a16="http://schemas.microsoft.com/office/drawing/2014/main" id="{4713BE45-F1C0-2B44-AA23-C74405770690}"/>
               </a:ext>
             </a:extLst>
           </p:cNvPr>
@@ -5973,15 +6177,105 @@
           <a:p>
             <a:r>
               <a:rPr lang="en-US" dirty="0"/>
-              <a:t>Implementation: Overview</a:t>
-            </a:r>
-          </a:p>
-        </p:txBody>
-      </p:sp>
+              <a:t>Our Dataset</a:t>
+            </a:r>
+          </a:p>
+        </p:txBody>
+      </p:sp>
+      <p:pic>
+        <p:nvPicPr>
+          <p:cNvPr id="4" name="Picture 3">
+            <a:extLst>
+              <a:ext uri="{FF2B5EF4-FFF2-40B4-BE49-F238E27FC236}">
+                <a16:creationId xmlns:a16="http://schemas.microsoft.com/office/drawing/2014/main" id="{584D339E-6EF1-7442-9A61-F703553B54AA}"/>
+              </a:ext>
+            </a:extLst>
+          </p:cNvPr>
+          <p:cNvPicPr>
+            <a:picLocks noChangeAspect="1"/>
+          </p:cNvPicPr>
+          <p:nvPr/>
+        </p:nvPicPr>
+        <p:blipFill>
+          <a:blip r:embed="rId3"/>
+          <a:stretch>
+            <a:fillRect/>
+          </a:stretch>
+        </p:blipFill>
+        <p:spPr>
+          <a:xfrm>
+            <a:off x="5651500" y="1365475"/>
+            <a:ext cx="3556000" cy="1803400"/>
+          </a:xfrm>
+          <a:prstGeom prst="rect">
+            <a:avLst/>
+          </a:prstGeom>
+        </p:spPr>
+      </p:pic>
+      <p:pic>
+        <p:nvPicPr>
+          <p:cNvPr id="6" name="Picture 5">
+            <a:extLst>
+              <a:ext uri="{FF2B5EF4-FFF2-40B4-BE49-F238E27FC236}">
+                <a16:creationId xmlns:a16="http://schemas.microsoft.com/office/drawing/2014/main" id="{7203C963-D388-2D41-A021-64239034A8AD}"/>
+              </a:ext>
+            </a:extLst>
+          </p:cNvPr>
+          <p:cNvPicPr>
+            <a:picLocks noChangeAspect="1"/>
+          </p:cNvPicPr>
+          <p:nvPr/>
+        </p:nvPicPr>
+        <p:blipFill>
+          <a:blip r:embed="rId4"/>
+          <a:stretch>
+            <a:fillRect/>
+          </a:stretch>
+        </p:blipFill>
+        <p:spPr>
+          <a:xfrm>
+            <a:off x="5651500" y="3164114"/>
+            <a:ext cx="3556000" cy="1303867"/>
+          </a:xfrm>
+          <a:prstGeom prst="rect">
+            <a:avLst/>
+          </a:prstGeom>
+        </p:spPr>
+      </p:pic>
+      <p:pic>
+        <p:nvPicPr>
+          <p:cNvPr id="7" name="Picture 6">
+            <a:extLst>
+              <a:ext uri="{FF2B5EF4-FFF2-40B4-BE49-F238E27FC236}">
+                <a16:creationId xmlns:a16="http://schemas.microsoft.com/office/drawing/2014/main" id="{6DF81C38-3B30-6549-8690-B49F43716A2D}"/>
+              </a:ext>
+            </a:extLst>
+          </p:cNvPr>
+          <p:cNvPicPr>
+            <a:picLocks noChangeAspect="1"/>
+          </p:cNvPicPr>
+          <p:nvPr/>
+        </p:nvPicPr>
+        <p:blipFill>
+          <a:blip r:embed="rId5"/>
+          <a:stretch>
+            <a:fillRect/>
+          </a:stretch>
+        </p:blipFill>
+        <p:spPr>
+          <a:xfrm>
+            <a:off x="5651500" y="4467981"/>
+            <a:ext cx="3556000" cy="1298773"/>
+          </a:xfrm>
+          <a:prstGeom prst="rect">
+            <a:avLst/>
+          </a:prstGeom>
+        </p:spPr>
+      </p:pic>
     </p:spTree>
     <p:extLst>
       <p:ext uri="{BB962C8B-B14F-4D97-AF65-F5344CB8AC3E}">
-        <p14:creationId xmlns:p14="http://schemas.microsoft.com/office/powerpoint/2010/main" val="3935471687"/>
+        <p14:creationId xmlns:p14="http://schemas.microsoft.com/office/powerpoint/2010/main" val="1375463578"/>
       </p:ext>
     </p:extLst>
   </p:cSld>
@@ -6013,7 +6307,7 @@
           <p:cNvPr id="2" name="Content Placeholder 1">
             <a:extLst>
               <a:ext uri="{FF2B5EF4-FFF2-40B4-BE49-F238E27FC236}">
-                <a16:creationId xmlns:a16="http://schemas.microsoft.com/office/drawing/2014/main" id="{65A8649D-E7F8-4547-A47A-A1ADE054A835}"/>
+                <a16:creationId xmlns:a16="http://schemas.microsoft.com/office/drawing/2014/main" id="{3E75831E-1C6B-3542-A8E6-38E9FF024F86}"/>
               </a:ext>
             </a:extLst>
           </p:cNvPr>
@@ -6030,26 +6324,68 @@
           <a:lstStyle/>
           <a:p>
             <a:r>
+              <a:rPr lang="en-US" sz="2400" dirty="0">
+                <a:solidFill>
+                  <a:schemeClr val="bg1">
+                    <a:lumMod val="85000"/>
+                  </a:schemeClr>
+                </a:solidFill>
+              </a:rPr>
+              <a:t>Introduction</a:t>
+            </a:r>
+          </a:p>
+          <a:p>
+            <a:r>
+              <a:rPr lang="en-US" sz="2400" dirty="0">
+                <a:solidFill>
+                  <a:schemeClr val="bg1">
+                    <a:lumMod val="85000"/>
+                  </a:schemeClr>
+                </a:solidFill>
+              </a:rPr>
+              <a:t>Detailed Implementation</a:t>
+            </a:r>
+          </a:p>
+          <a:p>
+            <a:r>
               <a:rPr lang="en-US" sz="2400" dirty="0"/>
-              <a:t>Network can approximate any set of function that is continuous</a:t>
-            </a:r>
-          </a:p>
-          <a:p>
-            <a:r>
-              <a:rPr lang="en-US" sz="2400" dirty="0"/>
-              <a:t>Network learns to summarize an input point cloud by a sparse set of key points aka the skeleton of the object</a:t>
-            </a:r>
-          </a:p>
-          <a:p>
-            <a:r>
-              <a:rPr lang="en-US" sz="2400" dirty="0"/>
-              <a:t>Robust to small perturbation of input points as well as corruption to outliers and missing data</a:t>
-            </a:r>
-          </a:p>
-          <a:p>
-            <a:r>
-              <a:rPr lang="en-US" sz="2400" dirty="0"/>
-              <a:t>Fast training time due to less voluminous data compared to voxel grids or collection of views</a:t>
+              <a:t>Results</a:t>
+            </a:r>
+          </a:p>
+          <a:p>
+            <a:r>
+              <a:rPr lang="en-US" sz="2400" dirty="0">
+                <a:solidFill>
+                  <a:schemeClr val="bg1">
+                    <a:lumMod val="85000"/>
+                  </a:schemeClr>
+                </a:solidFill>
+              </a:rPr>
+              <a:t>Differences and improvements compared to previous works</a:t>
+            </a:r>
+          </a:p>
+          <a:p>
+            <a:r>
+              <a:rPr lang="en-US" sz="2400" dirty="0">
+                <a:solidFill>
+                  <a:schemeClr val="bg1">
+                    <a:lumMod val="85000"/>
+                  </a:schemeClr>
+                </a:solidFill>
+              </a:rPr>
+              <a:t>Challenges met and solutions</a:t>
+            </a:r>
+          </a:p>
+          <a:p>
+            <a:r>
+              <a:rPr lang="en-US" sz="2400" dirty="0">
+                <a:solidFill>
+                  <a:schemeClr val="bg1">
+                    <a:lumMod val="85000"/>
+                  </a:schemeClr>
+                </a:solidFill>
+              </a:rPr>
+              <a:t>Contributions of each team member</a:t>
             </a:r>
           </a:p>
         </p:txBody>
@@ -6059,7 +6395,7 @@
           <p:cNvPr id="3" name="Title 2">
             <a:extLst>
               <a:ext uri="{FF2B5EF4-FFF2-40B4-BE49-F238E27FC236}">
-                <a16:creationId xmlns:a16="http://schemas.microsoft.com/office/drawing/2014/main" id="{B50C2044-F81A-5847-A601-568DC32826C0}"/>
+                <a16:creationId xmlns:a16="http://schemas.microsoft.com/office/drawing/2014/main" id="{A292247C-C23C-464A-91BD-372A608AE8EF}"/>
               </a:ext>
             </a:extLst>
           </p:cNvPr>
@@ -6077,7 +6413,7 @@
           <a:p>
             <a:r>
               <a:rPr lang="en-US" dirty="0"/>
-              <a:t>Benefits</a:t>
+              <a:t>Agenda</a:t>
             </a:r>
           </a:p>
         </p:txBody>
@@ -6085,7 +6421,7 @@
     </p:spTree>
     <p:extLst>
       <p:ext uri="{BB962C8B-B14F-4D97-AF65-F5344CB8AC3E}">
-        <p14:creationId xmlns:p14="http://schemas.microsoft.com/office/powerpoint/2010/main" val="2685683328"/>
+        <p14:creationId xmlns:p14="http://schemas.microsoft.com/office/powerpoint/2010/main" val="1099706726"/>
       </p:ext>
     </p:extLst>
   </p:cSld>
@@ -6117,7 +6453,7 @@
           <p:cNvPr id="2" name="Content Placeholder 1">
             <a:extLst>
               <a:ext uri="{FF2B5EF4-FFF2-40B4-BE49-F238E27FC236}">
-                <a16:creationId xmlns:a16="http://schemas.microsoft.com/office/drawing/2014/main" id="{29B15DEB-18A4-4F4D-9A65-E47EF883A455}"/>
+                <a16:creationId xmlns:a16="http://schemas.microsoft.com/office/drawing/2014/main" id="{3E75831E-1C6B-3542-A8E6-38E9FF024F86}"/>
               </a:ext>
             </a:extLst>
           </p:cNvPr>
@@ -6131,7 +6467,7 @@
         <p:spPr>
           <a:xfrm>
             <a:off x="457200" y="1600202"/>
-            <a:ext cx="5257800" cy="4525963"/>
+            <a:ext cx="8229600" cy="4525963"/>
           </a:xfrm>
         </p:spPr>
         <p:txBody>
@@ -6140,44 +6476,26 @@
           <a:p>
             <a:r>
               <a:rPr lang="en-US" sz="2400" dirty="0"/>
-              <a:t>Stanford </a:t>
-            </a:r>
-            <a:r>
-              <a:rPr lang="en-US" sz="2400" dirty="0" err="1"/>
-              <a:t>ShapeNet</a:t>
-            </a:r>
-            <a:r>
-              <a:rPr lang="en-US" sz="2400" dirty="0"/>
-              <a:t>: Reconstruction and Segmentation</a:t>
+              <a:t>Observations: </a:t>
             </a:r>
           </a:p>
           <a:p>
             <a:pPr lvl="1"/>
             <a:r>
               <a:rPr lang="en-US" sz="2000" dirty="0"/>
-              <a:t>17,000 models from 16 shape categories</a:t>
+              <a:t>Fast Training times</a:t>
             </a:r>
           </a:p>
           <a:p>
             <a:pPr lvl="1"/>
             <a:r>
               <a:rPr lang="en-US" sz="2000" dirty="0"/>
-              <a:t>Each category has 2 to 6 parts with 50 different parts annotated in total.</a:t>
+              <a:t>Skewed data altering results</a:t>
             </a:r>
           </a:p>
           <a:p>
             <a:pPr lvl="1"/>
-            <a:r>
-              <a:rPr lang="en-US" sz="2000" dirty="0"/>
-              <a:t>Point Cloud shapes generated from uniformly sampled 3D surfaces.</a:t>
-            </a:r>
-          </a:p>
-          <a:p>
-            <a:pPr lvl="1"/>
-            <a:r>
-              <a:rPr lang="en-US" sz="2000" dirty="0"/>
-              <a:t>Shapes: Airplane, Bag, Cap, Chair, Earphone, Guitar, Knife, Lamp, Laptop, Motorbike, Mug, Pistol, Rocket, Skateboard, Table</a:t>
-            </a:r>
+            <a:endParaRPr lang="en-US" sz="2000" dirty="0"/>
           </a:p>
         </p:txBody>
       </p:sp>
@@ -6186,7 +6504,7 @@
           <p:cNvPr id="3" name="Title 2">
             <a:extLst>
               <a:ext uri="{FF2B5EF4-FFF2-40B4-BE49-F238E27FC236}">
-                <a16:creationId xmlns:a16="http://schemas.microsoft.com/office/drawing/2014/main" id="{4713BE45-F1C0-2B44-AA23-C74405770690}"/>
+                <a16:creationId xmlns:a16="http://schemas.microsoft.com/office/drawing/2014/main" id="{A292247C-C23C-464A-91BD-372A608AE8EF}"/>
               </a:ext>
             </a:extLst>
           </p:cNvPr>
@@ -6204,17 +6522,47 @@
           <a:p>
             <a:r>
               <a:rPr lang="en-US" dirty="0"/>
-              <a:t>Our Dataset</a:t>
+              <a:t>Results</a:t>
             </a:r>
           </a:p>
         </p:txBody>
       </p:sp>
       <p:pic>
         <p:nvPicPr>
-          <p:cNvPr id="4" name="Picture 3">
-            <a:extLst>
-              <a:ext uri="{FF2B5EF4-FFF2-40B4-BE49-F238E27FC236}">
-                <a16:creationId xmlns:a16="http://schemas.microsoft.com/office/drawing/2014/main" id="{584D339E-6EF1-7442-9A61-F703553B54AA}"/>
+          <p:cNvPr id="5" name="Picture 4">
+            <a:extLst>
+              <a:ext uri="{FF2B5EF4-FFF2-40B4-BE49-F238E27FC236}">
+                <a16:creationId xmlns:a16="http://schemas.microsoft.com/office/drawing/2014/main" id="{84E015CF-F241-E043-A1E4-984B3F9AC72B}"/>
+              </a:ext>
+            </a:extLst>
+          </p:cNvPr>
+          <p:cNvPicPr>
+            <a:picLocks noChangeAspect="1"/>
+          </p:cNvPicPr>
+          <p:nvPr/>
+        </p:nvPicPr>
+        <p:blipFill>
+          <a:blip r:embed="rId2"/>
+          <a:stretch>
+            <a:fillRect/>
+          </a:stretch>
+        </p:blipFill>
+        <p:spPr>
+          <a:xfrm>
+            <a:off x="572736" y="2834482"/>
+            <a:ext cx="6146800" cy="2514600"/>
+          </a:xfrm>
+          <a:prstGeom prst="rect">
+            <a:avLst/>
+          </a:prstGeom>
+        </p:spPr>
+      </p:pic>
+      <p:pic>
+        <p:nvPicPr>
+          <p:cNvPr id="7" name="Picture 6">
+            <a:extLst>
+              <a:ext uri="{FF2B5EF4-FFF2-40B4-BE49-F238E27FC236}">
+                <a16:creationId xmlns:a16="http://schemas.microsoft.com/office/drawing/2014/main" id="{62CC82F7-CD55-2D42-92C7-B1034AD443ED}"/>
               </a:ext>
             </a:extLst>
           </p:cNvPr>
@@ -6231,68 +6579,8 @@
         </p:blipFill>
         <p:spPr>
           <a:xfrm>
-            <a:off x="5588000" y="1371600"/>
-            <a:ext cx="3556000" cy="1803400"/>
-          </a:xfrm>
-          <a:prstGeom prst="rect">
-            <a:avLst/>
-          </a:prstGeom>
-        </p:spPr>
-      </p:pic>
-      <p:pic>
-        <p:nvPicPr>
-          <p:cNvPr id="6" name="Picture 5">
-            <a:extLst>
-              <a:ext uri="{FF2B5EF4-FFF2-40B4-BE49-F238E27FC236}">
-                <a16:creationId xmlns:a16="http://schemas.microsoft.com/office/drawing/2014/main" id="{7203C963-D388-2D41-A021-64239034A8AD}"/>
-              </a:ext>
-            </a:extLst>
-          </p:cNvPr>
-          <p:cNvPicPr>
-            <a:picLocks noChangeAspect="1"/>
-          </p:cNvPicPr>
-          <p:nvPr/>
-        </p:nvPicPr>
-        <p:blipFill>
-          <a:blip r:embed="rId4"/>
-          <a:stretch>
-            <a:fillRect/>
-          </a:stretch>
-        </p:blipFill>
-        <p:spPr>
-          <a:xfrm>
-            <a:off x="5588000" y="3164114"/>
-            <a:ext cx="3556000" cy="1303867"/>
-          </a:xfrm>
-          <a:prstGeom prst="rect">
-            <a:avLst/>
-          </a:prstGeom>
-        </p:spPr>
-      </p:pic>
-      <p:pic>
-        <p:nvPicPr>
-          <p:cNvPr id="7" name="Picture 6">
-            <a:extLst>
-              <a:ext uri="{FF2B5EF4-FFF2-40B4-BE49-F238E27FC236}">
-                <a16:creationId xmlns:a16="http://schemas.microsoft.com/office/drawing/2014/main" id="{6DF81C38-3B30-6549-8690-B49F43716A2D}"/>
-              </a:ext>
-            </a:extLst>
-          </p:cNvPr>
-          <p:cNvPicPr>
-            <a:picLocks noChangeAspect="1"/>
-          </p:cNvPicPr>
-          <p:nvPr/>
-        </p:nvPicPr>
-        <p:blipFill>
-          <a:blip r:embed="rId5"/>
-          <a:stretch>
-            <a:fillRect/>
-          </a:stretch>
-        </p:blipFill>
-        <p:spPr>
-          <a:xfrm>
-            <a:off x="5588000" y="4467981"/>
-            <a:ext cx="3556000" cy="1298773"/>
+            <a:off x="6738586" y="2834482"/>
+            <a:ext cx="2213822" cy="3909217"/>
           </a:xfrm>
           <a:prstGeom prst="rect">
             <a:avLst/>
@@ -6302,7 +6590,7 @@
     </p:spTree>
     <p:extLst>
       <p:ext uri="{BB962C8B-B14F-4D97-AF65-F5344CB8AC3E}">
-        <p14:creationId xmlns:p14="http://schemas.microsoft.com/office/powerpoint/2010/main" val="1375463578"/>
+        <p14:creationId xmlns:p14="http://schemas.microsoft.com/office/powerpoint/2010/main" val="3406156963"/>
       </p:ext>
     </p:extLst>
   </p:cSld>
@@ -6329,63 +6617,165 @@
           <a:chExt cx="0" cy="0"/>
         </a:xfrm>
       </p:grpSpPr>
-      <p:sp>
-        <p:nvSpPr>
-          <p:cNvPr id="2" name="Content Placeholder 1">
-            <a:extLst>
-              <a:ext uri="{FF2B5EF4-FFF2-40B4-BE49-F238E27FC236}">
-                <a16:creationId xmlns:a16="http://schemas.microsoft.com/office/drawing/2014/main" id="{93BB177D-ED51-6B46-8C53-D96EC88A0D53}"/>
-              </a:ext>
-            </a:extLst>
-          </p:cNvPr>
-          <p:cNvSpPr>
-            <a:spLocks noGrp="1"/>
-          </p:cNvSpPr>
+      <p:pic>
+        <p:nvPicPr>
+          <p:cNvPr id="6" name="Picture 5">
+            <a:extLst>
+              <a:ext uri="{FF2B5EF4-FFF2-40B4-BE49-F238E27FC236}">
+                <a16:creationId xmlns:a16="http://schemas.microsoft.com/office/drawing/2014/main" id="{8203A133-B5F2-B34E-BBC2-172A1BF08198}"/>
+              </a:ext>
+            </a:extLst>
+          </p:cNvPr>
+          <p:cNvPicPr>
+            <a:picLocks noChangeAspect="1"/>
+          </p:cNvPicPr>
+          <p:nvPr/>
+        </p:nvPicPr>
+        <p:blipFill>
+          <a:blip r:embed="rId3"/>
+          <a:stretch>
+            <a:fillRect/>
+          </a:stretch>
+        </p:blipFill>
+        <p:spPr>
+          <a:xfrm>
+            <a:off x="0" y="3395001"/>
+            <a:ext cx="5905500" cy="1710399"/>
+          </a:xfrm>
+          <a:prstGeom prst="rect">
+            <a:avLst/>
+          </a:prstGeom>
+        </p:spPr>
+      </p:pic>
+      <p:pic>
+        <p:nvPicPr>
+          <p:cNvPr id="5" name="Content Placeholder 4">
+            <a:extLst>
+              <a:ext uri="{FF2B5EF4-FFF2-40B4-BE49-F238E27FC236}">
+                <a16:creationId xmlns:a16="http://schemas.microsoft.com/office/drawing/2014/main" id="{50AF58C9-EA08-AF4F-9DFA-A043CFC85F00}"/>
+              </a:ext>
+            </a:extLst>
+          </p:cNvPr>
+          <p:cNvPicPr>
+            <a:picLocks noGrp="1" noChangeAspect="1"/>
+          </p:cNvPicPr>
           <p:nvPr>
             <p:ph idx="1"/>
           </p:nvPr>
-        </p:nvSpPr>
-        <p:spPr/>
+        </p:nvPicPr>
+        <p:blipFill>
+          <a:blip r:embed="rId4"/>
+          <a:stretch>
+            <a:fillRect/>
+          </a:stretch>
+        </p:blipFill>
+        <p:spPr>
+          <a:xfrm>
+            <a:off x="0" y="4432201"/>
+            <a:ext cx="5905500" cy="2565599"/>
+          </a:xfrm>
+          <a:prstGeom prst="rect">
+            <a:avLst/>
+          </a:prstGeom>
+        </p:spPr>
+      </p:pic>
+      <p:sp>
+        <p:nvSpPr>
+          <p:cNvPr id="3" name="Title 2">
+            <a:extLst>
+              <a:ext uri="{FF2B5EF4-FFF2-40B4-BE49-F238E27FC236}">
+                <a16:creationId xmlns:a16="http://schemas.microsoft.com/office/drawing/2014/main" id="{85454FE9-EC39-C54D-A030-4E1AC95A069E}"/>
+              </a:ext>
+            </a:extLst>
+          </p:cNvPr>
+          <p:cNvSpPr>
+            <a:spLocks noGrp="1"/>
+          </p:cNvSpPr>
+          <p:nvPr>
+            <p:ph type="ctrTitle"/>
+          </p:nvPr>
+        </p:nvSpPr>
+        <p:spPr>
+          <a:xfrm>
+            <a:off x="457200" y="761999"/>
+            <a:ext cx="8229600" cy="762000"/>
+          </a:xfrm>
+        </p:spPr>
         <p:txBody>
           <a:bodyPr/>
           <a:lstStyle/>
           <a:p>
-            <a:endParaRPr lang="en-US"/>
-          </a:p>
-        </p:txBody>
-      </p:sp>
-      <p:sp>
-        <p:nvSpPr>
-          <p:cNvPr id="3" name="Title 2">
-            <a:extLst>
-              <a:ext uri="{FF2B5EF4-FFF2-40B4-BE49-F238E27FC236}">
-                <a16:creationId xmlns:a16="http://schemas.microsoft.com/office/drawing/2014/main" id="{DC15A9D5-85A5-1341-8DB6-579275175111}"/>
-              </a:ext>
-            </a:extLst>
-          </p:cNvPr>
-          <p:cNvSpPr>
-            <a:spLocks noGrp="1"/>
-          </p:cNvSpPr>
-          <p:nvPr>
-            <p:ph type="ctrTitle"/>
-          </p:nvPr>
-        </p:nvSpPr>
-        <p:spPr/>
-        <p:txBody>
-          <a:bodyPr/>
-          <a:lstStyle/>
-          <a:p>
             <a:r>
               <a:rPr lang="en-US" dirty="0"/>
-              <a:t>Our Dataset: Lyft</a:t>
-            </a:r>
-          </a:p>
-        </p:txBody>
-      </p:sp>
+              <a:t>Results: Part Segmentation</a:t>
+            </a:r>
+          </a:p>
+        </p:txBody>
+      </p:sp>
+      <p:pic>
+        <p:nvPicPr>
+          <p:cNvPr id="4" name="Picture 3">
+            <a:extLst>
+              <a:ext uri="{FF2B5EF4-FFF2-40B4-BE49-F238E27FC236}">
+                <a16:creationId xmlns:a16="http://schemas.microsoft.com/office/drawing/2014/main" id="{1FC9D81B-44B7-AC48-9C5E-E81C3B8FC7F8}"/>
+              </a:ext>
+            </a:extLst>
+          </p:cNvPr>
+          <p:cNvPicPr>
+            <a:picLocks noChangeAspect="1"/>
+          </p:cNvPicPr>
+          <p:nvPr/>
+        </p:nvPicPr>
+        <p:blipFill>
+          <a:blip r:embed="rId5"/>
+          <a:stretch>
+            <a:fillRect/>
+          </a:stretch>
+        </p:blipFill>
+        <p:spPr>
+          <a:xfrm>
+            <a:off x="0" y="1320800"/>
+            <a:ext cx="5905500" cy="2336800"/>
+          </a:xfrm>
+          <a:prstGeom prst="rect">
+            <a:avLst/>
+          </a:prstGeom>
+        </p:spPr>
+      </p:pic>
+      <p:pic>
+        <p:nvPicPr>
+          <p:cNvPr id="7" name="Picture 6">
+            <a:extLst>
+              <a:ext uri="{FF2B5EF4-FFF2-40B4-BE49-F238E27FC236}">
+                <a16:creationId xmlns:a16="http://schemas.microsoft.com/office/drawing/2014/main" id="{026F12DC-6D68-EE47-90BD-1EAAF2A897F5}"/>
+              </a:ext>
+            </a:extLst>
+          </p:cNvPr>
+          <p:cNvPicPr>
+            <a:picLocks noChangeAspect="1"/>
+          </p:cNvPicPr>
+          <p:nvPr/>
+        </p:nvPicPr>
+        <p:blipFill>
+          <a:blip r:embed="rId6"/>
+          <a:stretch>
+            <a:fillRect/>
+          </a:stretch>
+        </p:blipFill>
+        <p:spPr>
+          <a:xfrm>
+            <a:off x="5905500" y="2019857"/>
+            <a:ext cx="3328988" cy="4035137"/>
+          </a:xfrm>
+          <a:prstGeom prst="rect">
+            <a:avLst/>
+          </a:prstGeom>
+        </p:spPr>
+      </p:pic>
     </p:spTree>
     <p:extLst>
       <p:ext uri="{BB962C8B-B14F-4D97-AF65-F5344CB8AC3E}">
-        <p14:creationId xmlns:p14="http://schemas.microsoft.com/office/powerpoint/2010/main" val="2588397277"/>
+        <p14:creationId xmlns:p14="http://schemas.microsoft.com/office/powerpoint/2010/main" val="1391810135"/>
       </p:ext>
     </p:extLst>
   </p:cSld>
@@ -6458,12 +6848,6 @@
           </a:p>
           <a:p>
             <a:r>
-              <a:rPr lang="en-US" sz="2400" dirty="0"/>
-              <a:t>Results. Do they match expectations</a:t>
-            </a:r>
-          </a:p>
-          <a:p>
-            <a:r>
               <a:rPr lang="en-US" sz="2400" dirty="0">
                 <a:solidFill>
                   <a:schemeClr val="bg1">
@@ -6471,6 +6855,12 @@
                   </a:schemeClr>
                 </a:solidFill>
               </a:rPr>
+              <a:t>Results</a:t>
+            </a:r>
+          </a:p>
+          <a:p>
+            <a:r>
+              <a:rPr lang="en-US" sz="2400" dirty="0"/>
               <a:t>Differences and improvements compared to previous works</a:t>
             </a:r>
           </a:p>
@@ -6485,6 +6875,7 @@
               </a:rPr>
               <a:t>Challenges met and solutions</a:t>
             </a:r>
+            <a:endParaRPr lang="en-US" sz="2400" dirty="0"/>
           </a:p>
           <a:p>
             <a:r>
@@ -6523,7 +6914,7 @@
           <a:p>
             <a:r>
               <a:rPr lang="en-US" dirty="0"/>
-              <a:t>Specifications from Blackboard</a:t>
+              <a:t>Agenda</a:t>
             </a:r>
           </a:p>
         </p:txBody>
@@ -6531,7 +6922,7 @@
     </p:spTree>
     <p:extLst>
       <p:ext uri="{BB962C8B-B14F-4D97-AF65-F5344CB8AC3E}">
-        <p14:creationId xmlns:p14="http://schemas.microsoft.com/office/powerpoint/2010/main" val="1099706726"/>
+        <p14:creationId xmlns:p14="http://schemas.microsoft.com/office/powerpoint/2010/main" val="3741246855"/>
       </p:ext>
     </p:extLst>
   </p:cSld>
@@ -6563,7 +6954,7 @@
           <p:cNvPr id="2" name="Content Placeholder 1">
             <a:extLst>
               <a:ext uri="{FF2B5EF4-FFF2-40B4-BE49-F238E27FC236}">
-                <a16:creationId xmlns:a16="http://schemas.microsoft.com/office/drawing/2014/main" id="{3E75831E-1C6B-3542-A8E6-38E9FF024F86}"/>
+                <a16:creationId xmlns:a16="http://schemas.microsoft.com/office/drawing/2014/main" id="{38565ABD-7C47-8845-8A91-83627BE1F103}"/>
               </a:ext>
             </a:extLst>
           </p:cNvPr>
@@ -6581,19 +6972,14 @@
           <a:p>
             <a:r>
               <a:rPr lang="en-US" sz="2400" dirty="0"/>
-              <a:t>Accuracy compared to baseline</a:t>
-            </a:r>
-          </a:p>
-          <a:p>
-            <a:r>
-              <a:rPr lang="en-US" sz="2400" dirty="0"/>
-              <a:t>Training times</a:t>
-            </a:r>
-          </a:p>
-          <a:p>
-            <a:r>
-              <a:rPr lang="en-US" sz="2400" dirty="0"/>
-              <a:t>Picture of results and tables</a:t>
+              <a:t>Single Network used for part segmentation compared to separate networks for each class in original implementation</a:t>
+            </a:r>
+          </a:p>
+          <a:p>
+            <a:pPr lvl="1"/>
+            <a:r>
+              <a:rPr lang="en-US" sz="2000" dirty="0"/>
+              <a:t>Parts are segmented into 2-6 segments. Let network learn how to segment parts based on labeled data</a:t>
             </a:r>
           </a:p>
         </p:txBody>
@@ -6603,7 +6989,7 @@
           <p:cNvPr id="3" name="Title 2">
             <a:extLst>
               <a:ext uri="{FF2B5EF4-FFF2-40B4-BE49-F238E27FC236}">
-                <a16:creationId xmlns:a16="http://schemas.microsoft.com/office/drawing/2014/main" id="{A292247C-C23C-464A-91BD-372A608AE8EF}"/>
+                <a16:creationId xmlns:a16="http://schemas.microsoft.com/office/drawing/2014/main" id="{3FBCADA3-B0FF-FB4A-AE2B-06CE1F5F13E3}"/>
               </a:ext>
             </a:extLst>
           </p:cNvPr>
@@ -6621,75 +7007,15 @@
           <a:p>
             <a:r>
               <a:rPr lang="en-US" dirty="0"/>
-              <a:t>Results</a:t>
-            </a:r>
-          </a:p>
-        </p:txBody>
-      </p:sp>
-      <p:pic>
-        <p:nvPicPr>
-          <p:cNvPr id="5" name="Picture 4">
-            <a:extLst>
-              <a:ext uri="{FF2B5EF4-FFF2-40B4-BE49-F238E27FC236}">
-                <a16:creationId xmlns:a16="http://schemas.microsoft.com/office/drawing/2014/main" id="{84E015CF-F241-E043-A1E4-984B3F9AC72B}"/>
-              </a:ext>
-            </a:extLst>
-          </p:cNvPr>
-          <p:cNvPicPr>
-            <a:picLocks noChangeAspect="1"/>
-          </p:cNvPicPr>
-          <p:nvPr/>
-        </p:nvPicPr>
-        <p:blipFill>
-          <a:blip r:embed="rId2"/>
-          <a:stretch>
-            <a:fillRect/>
-          </a:stretch>
-        </p:blipFill>
-        <p:spPr>
-          <a:xfrm>
-            <a:off x="457200" y="2981695"/>
-            <a:ext cx="6146800" cy="2514600"/>
-          </a:xfrm>
-          <a:prstGeom prst="rect">
-            <a:avLst/>
-          </a:prstGeom>
-        </p:spPr>
-      </p:pic>
-      <p:pic>
-        <p:nvPicPr>
-          <p:cNvPr id="7" name="Picture 6">
-            <a:extLst>
-              <a:ext uri="{FF2B5EF4-FFF2-40B4-BE49-F238E27FC236}">
-                <a16:creationId xmlns:a16="http://schemas.microsoft.com/office/drawing/2014/main" id="{62CC82F7-CD55-2D42-92C7-B1034AD443ED}"/>
-              </a:ext>
-            </a:extLst>
-          </p:cNvPr>
-          <p:cNvPicPr>
-            <a:picLocks noChangeAspect="1"/>
-          </p:cNvPicPr>
-          <p:nvPr/>
-        </p:nvPicPr>
-        <p:blipFill>
-          <a:blip r:embed="rId3"/>
-          <a:stretch>
-            <a:fillRect/>
-          </a:stretch>
-        </p:blipFill>
-        <p:spPr>
-          <a:xfrm>
-            <a:off x="6738586" y="1577182"/>
-            <a:ext cx="2213822" cy="3909217"/>
-          </a:xfrm>
-          <a:prstGeom prst="rect">
-            <a:avLst/>
-          </a:prstGeom>
-        </p:spPr>
-      </p:pic>
+              <a:t>Differences and Improvements</a:t>
+            </a:r>
+          </a:p>
+        </p:txBody>
+      </p:sp>
     </p:spTree>
     <p:extLst>
       <p:ext uri="{BB962C8B-B14F-4D97-AF65-F5344CB8AC3E}">
-        <p14:creationId xmlns:p14="http://schemas.microsoft.com/office/powerpoint/2010/main" val="3406156963"/>
+        <p14:creationId xmlns:p14="http://schemas.microsoft.com/office/powerpoint/2010/main" val="4081342684"/>
       </p:ext>
     </p:extLst>
   </p:cSld>
@@ -6769,13 +7095,7 @@
                   </a:schemeClr>
                 </a:solidFill>
               </a:rPr>
-              <a:t>Results. Do they match expectations</a:t>
-            </a:r>
-          </a:p>
-          <a:p>
-            <a:r>
-              <a:rPr lang="en-US" sz="2400" dirty="0"/>
-              <a:t>Differences and improvements compared to previous works</a:t>
+              <a:t>Results</a:t>
             </a:r>
           </a:p>
           <a:p>
@@ -6787,9 +7107,21 @@
                   </a:schemeClr>
                 </a:solidFill>
               </a:rPr>
+              <a:t>Differences and improvements compared to previous works</a:t>
+            </a:r>
+          </a:p>
+          <a:p>
+            <a:r>
+              <a:rPr lang="en-US" sz="2400" dirty="0"/>
               <a:t>Challenges met and solutions</a:t>
             </a:r>
-            <a:endParaRPr lang="en-US" sz="2400" dirty="0"/>
+            <a:endParaRPr lang="en-US" sz="2400" dirty="0">
+              <a:solidFill>
+                <a:schemeClr val="bg1">
+                  <a:lumMod val="85000"/>
+                </a:schemeClr>
+              </a:solidFill>
+            </a:endParaRPr>
           </a:p>
           <a:p>
             <a:r>
@@ -6828,7 +7160,7 @@
           <a:p>
             <a:r>
               <a:rPr lang="en-US" dirty="0"/>
-              <a:t>Specifications from Blackboard</a:t>
+              <a:t>Agenda</a:t>
             </a:r>
           </a:p>
         </p:txBody>
@@ -6836,7 +7168,7 @@
     </p:spTree>
     <p:extLst>
       <p:ext uri="{BB962C8B-B14F-4D97-AF65-F5344CB8AC3E}">
-        <p14:creationId xmlns:p14="http://schemas.microsoft.com/office/powerpoint/2010/main" val="3741246855"/>
+        <p14:creationId xmlns:p14="http://schemas.microsoft.com/office/powerpoint/2010/main" val="885603410"/>
       </p:ext>
     </p:extLst>
   </p:cSld>
@@ -6868,7 +7200,7 @@
           <p:cNvPr id="2" name="Content Placeholder 1">
             <a:extLst>
               <a:ext uri="{FF2B5EF4-FFF2-40B4-BE49-F238E27FC236}">
-                <a16:creationId xmlns:a16="http://schemas.microsoft.com/office/drawing/2014/main" id="{38565ABD-7C47-8845-8A91-83627BE1F103}"/>
+                <a16:creationId xmlns:a16="http://schemas.microsoft.com/office/drawing/2014/main" id="{3E75831E-1C6B-3542-A8E6-38E9FF024F86}"/>
               </a:ext>
             </a:extLst>
           </p:cNvPr>
@@ -6886,8 +7218,58 @@
           <a:p>
             <a:r>
               <a:rPr lang="en-US" sz="2400" dirty="0"/>
-              <a:t>TBD</a:t>
-            </a:r>
+              <a:t>Data (</a:t>
+            </a:r>
+            <a:r>
+              <a:rPr lang="en-US" sz="2400" dirty="0" err="1"/>
+              <a:t>ShapeNet</a:t>
+            </a:r>
+            <a:r>
+              <a:rPr lang="en-US" sz="2400" dirty="0"/>
+              <a:t>):</a:t>
+            </a:r>
+          </a:p>
+          <a:p>
+            <a:pPr lvl="1"/>
+            <a:r>
+              <a:rPr lang="en-US" sz="2000" dirty="0"/>
+              <a:t>Point clouds do not have equal number of points: Solved via sampling with replacement</a:t>
+            </a:r>
+          </a:p>
+          <a:p>
+            <a:pPr lvl="1"/>
+            <a:r>
+              <a:rPr lang="en-US" sz="2000" dirty="0"/>
+              <a:t>Uneven data distribution (e.g. test set has 341 airplane </a:t>
+            </a:r>
+            <a:r>
+              <a:rPr lang="en-US" sz="2000" dirty="0" err="1"/>
+              <a:t>pointclouds</a:t>
+            </a:r>
+            <a:r>
+              <a:rPr lang="en-US" sz="2000" dirty="0"/>
+              <a:t> and 15 bag and earphone </a:t>
+            </a:r>
+            <a:r>
+              <a:rPr lang="en-US" sz="2000" dirty="0" err="1"/>
+              <a:t>pointclouds</a:t>
+            </a:r>
+            <a:r>
+              <a:rPr lang="en-US" sz="2000" dirty="0"/>
+              <a:t>)</a:t>
+            </a:r>
+          </a:p>
+          <a:p>
+            <a:pPr lvl="1"/>
+            <a:endParaRPr lang="en-US" sz="2000" dirty="0"/>
+          </a:p>
+          <a:p>
+            <a:pPr lvl="1"/>
+            <a:endParaRPr lang="en-US" sz="2000" dirty="0"/>
+          </a:p>
+          <a:p>
+            <a:pPr lvl="1"/>
+            <a:endParaRPr lang="en-US" sz="2000" dirty="0"/>
           </a:p>
         </p:txBody>
       </p:sp>
@@ -6896,7 +7278,7 @@
           <p:cNvPr id="3" name="Title 2">
             <a:extLst>
               <a:ext uri="{FF2B5EF4-FFF2-40B4-BE49-F238E27FC236}">
-                <a16:creationId xmlns:a16="http://schemas.microsoft.com/office/drawing/2014/main" id="{3FBCADA3-B0FF-FB4A-AE2B-06CE1F5F13E3}"/>
+                <a16:creationId xmlns:a16="http://schemas.microsoft.com/office/drawing/2014/main" id="{A292247C-C23C-464A-91BD-372A608AE8EF}"/>
               </a:ext>
             </a:extLst>
           </p:cNvPr>
@@ -6914,7 +7296,7 @@
           <a:p>
             <a:r>
               <a:rPr lang="en-US" dirty="0"/>
-              <a:t>Differences and Improvements</a:t>
+              <a:t>Challenges</a:t>
             </a:r>
           </a:p>
         </p:txBody>
@@ -6922,7 +7304,7 @@
     </p:spTree>
     <p:extLst>
       <p:ext uri="{BB962C8B-B14F-4D97-AF65-F5344CB8AC3E}">
-        <p14:creationId xmlns:p14="http://schemas.microsoft.com/office/powerpoint/2010/main" val="4081342684"/>
+        <p14:creationId xmlns:p14="http://schemas.microsoft.com/office/powerpoint/2010/main" val="577296728"/>
       </p:ext>
     </p:extLst>
   </p:cSld>
@@ -6984,7 +7366,7 @@
           <a:p>
             <a:r>
               <a:rPr lang="en-US" sz="2400" dirty="0"/>
-              <a:t>Results. Do they match expectations</a:t>
+              <a:t>Results</a:t>
             </a:r>
           </a:p>
           <a:p>
@@ -7118,7 +7500,7 @@
                   </a:schemeClr>
                 </a:solidFill>
               </a:rPr>
-              <a:t>Results. Do they match expectations</a:t>
+              <a:t>Results</a:t>
             </a:r>
           </a:p>
           <a:p>
@@ -7135,19 +7517,6 @@
           </a:p>
           <a:p>
             <a:r>
-              <a:rPr lang="en-US" sz="2400" dirty="0"/>
-              <a:t>Challenges met and solutions</a:t>
-            </a:r>
-            <a:endParaRPr lang="en-US" sz="2400" dirty="0">
-              <a:solidFill>
-                <a:schemeClr val="bg1">
-                  <a:lumMod val="85000"/>
-                </a:schemeClr>
-              </a:solidFill>
-            </a:endParaRPr>
-          </a:p>
-          <a:p>
-            <a:r>
               <a:rPr lang="en-US" sz="2400" dirty="0">
                 <a:solidFill>
                   <a:schemeClr val="bg1">
@@ -7155,6 +7524,12 @@
                   </a:schemeClr>
                 </a:solidFill>
               </a:rPr>
+              <a:t>Challenges met and solutions</a:t>
+            </a:r>
+          </a:p>
+          <a:p>
+            <a:r>
+              <a:rPr lang="en-US" sz="2400" dirty="0"/>
               <a:t>Contributions of each team member</a:t>
             </a:r>
           </a:p>
@@ -7191,7 +7566,7 @@
     </p:spTree>
     <p:extLst>
       <p:ext uri="{BB962C8B-B14F-4D97-AF65-F5344CB8AC3E}">
-        <p14:creationId xmlns:p14="http://schemas.microsoft.com/office/powerpoint/2010/main" val="885603410"/>
+        <p14:creationId xmlns:p14="http://schemas.microsoft.com/office/powerpoint/2010/main" val="3423908790"/>
       </p:ext>
     </p:extLst>
   </p:cSld>
@@ -7223,7 +7598,7 @@
           <p:cNvPr id="2" name="Content Placeholder 1">
             <a:extLst>
               <a:ext uri="{FF2B5EF4-FFF2-40B4-BE49-F238E27FC236}">
-                <a16:creationId xmlns:a16="http://schemas.microsoft.com/office/drawing/2014/main" id="{3E75831E-1C6B-3542-A8E6-38E9FF024F86}"/>
+                <a16:creationId xmlns:a16="http://schemas.microsoft.com/office/drawing/2014/main" id="{74E56B35-0E75-194D-BF65-A1437CE1017B}"/>
               </a:ext>
             </a:extLst>
           </p:cNvPr>
@@ -7241,58 +7616,46 @@
           <a:p>
             <a:r>
               <a:rPr lang="en-US" sz="2400" dirty="0"/>
-              <a:t>Data (</a:t>
-            </a:r>
-            <a:r>
-              <a:rPr lang="en-US" sz="2400" dirty="0" err="1"/>
-              <a:t>ShapeNet</a:t>
-            </a:r>
+              <a:t>Model Building – Michael and Rishabh</a:t>
+            </a:r>
+          </a:p>
+          <a:p>
+            <a:pPr lvl="1"/>
+            <a:r>
+              <a:rPr lang="en-US" sz="2000" dirty="0"/>
+              <a:t>Classification – Rishabh and Michael</a:t>
+            </a:r>
+          </a:p>
+          <a:p>
+            <a:pPr lvl="1"/>
+            <a:r>
+              <a:rPr lang="en-US" sz="2000" dirty="0"/>
+              <a:t>Segmentation - Michael </a:t>
+            </a:r>
+          </a:p>
+          <a:p>
             <a:r>
               <a:rPr lang="en-US" sz="2400" dirty="0"/>
-              <a:t>):</a:t>
-            </a:r>
-          </a:p>
-          <a:p>
-            <a:pPr lvl="1"/>
-            <a:r>
-              <a:rPr lang="en-US" sz="2000" dirty="0"/>
-              <a:t>Point clouds do not have equal number of points: Solved via sampling with replacement</a:t>
-            </a:r>
-          </a:p>
-          <a:p>
-            <a:pPr lvl="1"/>
-            <a:r>
-              <a:rPr lang="en-US" sz="2000" dirty="0"/>
-              <a:t>Uneven data distribution (e.g. test set has 341 airplane </a:t>
-            </a:r>
-            <a:r>
-              <a:rPr lang="en-US" sz="2000" dirty="0" err="1"/>
-              <a:t>pointclouds</a:t>
-            </a:r>
-            <a:r>
-              <a:rPr lang="en-US" sz="2000" dirty="0"/>
-              <a:t> and 15 bag and earphone </a:t>
-            </a:r>
-            <a:r>
-              <a:rPr lang="en-US" sz="2000" dirty="0" err="1"/>
-              <a:t>pointclouds</a:t>
-            </a:r>
-            <a:r>
-              <a:rPr lang="en-US" sz="2000" dirty="0"/>
-              <a:t>): Solved via TODO</a:t>
-            </a:r>
-          </a:p>
-          <a:p>
-            <a:pPr lvl="1"/>
-            <a:endParaRPr lang="en-US" sz="2000" dirty="0"/>
-          </a:p>
-          <a:p>
-            <a:pPr lvl="1"/>
-            <a:endParaRPr lang="en-US" sz="2000" dirty="0"/>
-          </a:p>
-          <a:p>
-            <a:pPr lvl="1"/>
-            <a:endParaRPr lang="en-US" sz="2000" dirty="0"/>
+              <a:t>Data Loading – Michael and Rishabh</a:t>
+            </a:r>
+          </a:p>
+          <a:p>
+            <a:r>
+              <a:rPr lang="en-US" sz="2400" dirty="0"/>
+              <a:t>Visualization – Michael </a:t>
+            </a:r>
+          </a:p>
+          <a:p>
+            <a:r>
+              <a:rPr lang="en-US" sz="2400" dirty="0"/>
+              <a:t>Training – Michael</a:t>
+            </a:r>
+          </a:p>
+          <a:p>
+            <a:r>
+              <a:rPr lang="en-US" sz="2400" dirty="0"/>
+              <a:t>Testing – Rishabh </a:t>
+            </a:r>
           </a:p>
         </p:txBody>
       </p:sp>
@@ -7301,7 +7664,7 @@
           <p:cNvPr id="3" name="Title 2">
             <a:extLst>
               <a:ext uri="{FF2B5EF4-FFF2-40B4-BE49-F238E27FC236}">
-                <a16:creationId xmlns:a16="http://schemas.microsoft.com/office/drawing/2014/main" id="{A292247C-C23C-464A-91BD-372A608AE8EF}"/>
+                <a16:creationId xmlns:a16="http://schemas.microsoft.com/office/drawing/2014/main" id="{02F071BF-C260-494A-B76E-5BD9CB735BD7}"/>
               </a:ext>
             </a:extLst>
           </p:cNvPr>
@@ -7319,7 +7682,7 @@
           <a:p>
             <a:r>
               <a:rPr lang="en-US" dirty="0"/>
-              <a:t>Challenges</a:t>
+              <a:t>Contributions</a:t>
             </a:r>
           </a:p>
         </p:txBody>
@@ -7327,7 +7690,7 @@
     </p:spTree>
     <p:extLst>
       <p:ext uri="{BB962C8B-B14F-4D97-AF65-F5344CB8AC3E}">
-        <p14:creationId xmlns:p14="http://schemas.microsoft.com/office/powerpoint/2010/main" val="577296728"/>
+        <p14:creationId xmlns:p14="http://schemas.microsoft.com/office/powerpoint/2010/main" val="2682010655"/>
       </p:ext>
     </p:extLst>
   </p:cSld>
@@ -7359,7 +7722,7 @@
           <p:cNvPr id="2" name="Content Placeholder 1">
             <a:extLst>
               <a:ext uri="{FF2B5EF4-FFF2-40B4-BE49-F238E27FC236}">
-                <a16:creationId xmlns:a16="http://schemas.microsoft.com/office/drawing/2014/main" id="{3E75831E-1C6B-3542-A8E6-38E9FF024F86}"/>
+                <a16:creationId xmlns:a16="http://schemas.microsoft.com/office/drawing/2014/main" id="{A61D128D-3AEC-E245-AB44-8B543DFE4736}"/>
               </a:ext>
             </a:extLst>
           </p:cNvPr>
@@ -7376,69 +7739,22 @@
           <a:lstStyle/>
           <a:p>
             <a:r>
-              <a:rPr lang="en-US" sz="2400" dirty="0">
-                <a:solidFill>
-                  <a:schemeClr val="bg1">
-                    <a:lumMod val="85000"/>
-                  </a:schemeClr>
-                </a:solidFill>
-              </a:rPr>
-              <a:t>Introduction</a:t>
-            </a:r>
-          </a:p>
-          <a:p>
-            <a:r>
-              <a:rPr lang="en-US" sz="2400" dirty="0">
-                <a:solidFill>
-                  <a:schemeClr val="bg1">
-                    <a:lumMod val="85000"/>
-                  </a:schemeClr>
-                </a:solidFill>
-              </a:rPr>
-              <a:t>Detailed Implementation</a:t>
-            </a:r>
-          </a:p>
-          <a:p>
-            <a:r>
-              <a:rPr lang="en-US" sz="2400" dirty="0">
-                <a:solidFill>
-                  <a:schemeClr val="bg1">
-                    <a:lumMod val="85000"/>
-                  </a:schemeClr>
-                </a:solidFill>
-              </a:rPr>
-              <a:t>Results. Do they match expectations</a:t>
-            </a:r>
-          </a:p>
-          <a:p>
-            <a:r>
-              <a:rPr lang="en-US" sz="2400" dirty="0">
-                <a:solidFill>
-                  <a:schemeClr val="bg1">
-                    <a:lumMod val="85000"/>
-                  </a:schemeClr>
-                </a:solidFill>
-              </a:rPr>
-              <a:t>Differences and improvements compared to previous works</a:t>
-            </a:r>
-          </a:p>
-          <a:p>
-            <a:r>
-              <a:rPr lang="en-US" sz="2400" dirty="0">
-                <a:solidFill>
-                  <a:schemeClr val="bg1">
-                    <a:lumMod val="85000"/>
-                  </a:schemeClr>
-                </a:solidFill>
-              </a:rPr>
-              <a:t>Challenges met and solutions</a:t>
-            </a:r>
-          </a:p>
-          <a:p>
-            <a:r>
               <a:rPr lang="en-US" sz="2400" dirty="0"/>
-              <a:t>Contributions of each team member</a:t>
-            </a:r>
+              <a:t>https://</a:t>
+            </a:r>
+            <a:r>
+              <a:rPr lang="en-US" sz="2400" dirty="0" err="1"/>
+              <a:t>github.com</a:t>
+            </a:r>
+            <a:r>
+              <a:rPr lang="en-US" sz="2400" dirty="0"/>
+              <a:t>/Michael-Hodges/</a:t>
+            </a:r>
+            <a:r>
+              <a:rPr lang="en-US" sz="2400" dirty="0" err="1"/>
+              <a:t>PointNet</a:t>
+            </a:r>
+            <a:endParaRPr lang="en-US" sz="2400" dirty="0"/>
           </a:p>
         </p:txBody>
       </p:sp>
@@ -7447,7 +7763,7 @@
           <p:cNvPr id="3" name="Title 2">
             <a:extLst>
               <a:ext uri="{FF2B5EF4-FFF2-40B4-BE49-F238E27FC236}">
-                <a16:creationId xmlns:a16="http://schemas.microsoft.com/office/drawing/2014/main" id="{A292247C-C23C-464A-91BD-372A608AE8EF}"/>
+                <a16:creationId xmlns:a16="http://schemas.microsoft.com/office/drawing/2014/main" id="{8C2C70FF-ED0F-F640-8861-E67E7679CB59}"/>
               </a:ext>
             </a:extLst>
           </p:cNvPr>
@@ -7465,7 +7781,7 @@
           <a:p>
             <a:r>
               <a:rPr lang="en-US" dirty="0"/>
-              <a:t>Agenda</a:t>
+              <a:t>Thanks!</a:t>
             </a:r>
           </a:p>
         </p:txBody>
@@ -7473,7 +7789,7 @@
     </p:spTree>
     <p:extLst>
       <p:ext uri="{BB962C8B-B14F-4D97-AF65-F5344CB8AC3E}">
-        <p14:creationId xmlns:p14="http://schemas.microsoft.com/office/powerpoint/2010/main" val="3423908790"/>
+        <p14:creationId xmlns:p14="http://schemas.microsoft.com/office/powerpoint/2010/main" val="1932572840"/>
       </p:ext>
     </p:extLst>
   </p:cSld>
@@ -7505,7 +7821,7 @@
           <p:cNvPr id="2" name="Content Placeholder 1">
             <a:extLst>
               <a:ext uri="{FF2B5EF4-FFF2-40B4-BE49-F238E27FC236}">
-                <a16:creationId xmlns:a16="http://schemas.microsoft.com/office/drawing/2014/main" id="{74E56B35-0E75-194D-BF65-A1437CE1017B}"/>
+                <a16:creationId xmlns:a16="http://schemas.microsoft.com/office/drawing/2014/main" id="{D134AD8D-B623-C149-9DE4-E4F0B45A5EEB}"/>
               </a:ext>
             </a:extLst>
           </p:cNvPr>
@@ -7521,47 +7837,61 @@
           <a:bodyPr/>
           <a:lstStyle/>
           <a:p>
+            <a:pPr marL="457200" indent="-457200">
+              <a:buFont typeface="+mj-lt"/>
+              <a:buAutoNum type="arabicPeriod"/>
+            </a:pPr>
             <a:r>
               <a:rPr lang="en-US" sz="2400" dirty="0"/>
-              <a:t>Model Building – Michael and Rishabh</a:t>
-            </a:r>
-          </a:p>
-          <a:p>
-            <a:pPr lvl="1"/>
-            <a:r>
-              <a:rPr lang="en-US" sz="2000" dirty="0"/>
-              <a:t>Classification</a:t>
-            </a:r>
-          </a:p>
-          <a:p>
-            <a:pPr lvl="1"/>
-            <a:r>
-              <a:rPr lang="en-US" sz="2000" dirty="0"/>
-              <a:t>Segmentation</a:t>
-            </a:r>
-          </a:p>
-          <a:p>
+              <a:t>Qi, C. R., </a:t>
+            </a:r>
+            <a:r>
+              <a:rPr lang="en-US" sz="2400" dirty="0" err="1"/>
+              <a:t>Su</a:t>
+            </a:r>
             <a:r>
               <a:rPr lang="en-US" sz="2400" dirty="0"/>
-              <a:t>Data Loading – Michael and Rishabh</a:t>
-            </a:r>
-          </a:p>
-          <a:p>
+              <a:t>, H., Mo, K., and </a:t>
+            </a:r>
+            <a:r>
+              <a:rPr lang="en-US" sz="2400" dirty="0" err="1"/>
+              <a:t>Guibas</a:t>
+            </a:r>
             <a:r>
               <a:rPr lang="en-US" sz="2400" dirty="0"/>
-              <a:t>Visualization – Michael </a:t>
-            </a:r>
-          </a:p>
-          <a:p>
+              <a:t>, L. J. </a:t>
+            </a:r>
+            <a:r>
+              <a:rPr lang="en-US" sz="2400" dirty="0" err="1"/>
+              <a:t>Pointnet</a:t>
+            </a:r>
             <a:r>
               <a:rPr lang="en-US" sz="2400" dirty="0"/>
-              <a:t>Training – Michael</a:t>
-            </a:r>
-          </a:p>
-          <a:p>
+              <a:t>: Deep learning on point sets for 3d classification and </a:t>
+            </a:r>
+            <a:r>
+              <a:rPr lang="en-US" sz="2400" dirty="0" err="1"/>
+              <a:t>segmentation.CoRR</a:t>
+            </a:r>
             <a:r>
               <a:rPr lang="en-US" sz="2400" dirty="0"/>
-              <a:t>Testing – Rishabh </a:t>
+              <a:t>, abs/1612.00593, 2016. </a:t>
+            </a:r>
+            <a:r>
+              <a:rPr lang="en-US" sz="2400" dirty="0" err="1"/>
+              <a:t>URLhttp</a:t>
+            </a:r>
+            <a:r>
+              <a:rPr lang="en-US" sz="2400" dirty="0"/>
+              <a:t>://</a:t>
+            </a:r>
+            <a:r>
+              <a:rPr lang="en-US" sz="2400" dirty="0" err="1"/>
+              <a:t>arxiv.org</a:t>
+            </a:r>
+            <a:r>
+              <a:rPr lang="en-US" sz="2400" dirty="0"/>
+              <a:t>/abs/1612.00593</a:t>
             </a:r>
           </a:p>
         </p:txBody>
@@ -7571,7 +7901,7 @@
           <p:cNvPr id="3" name="Title 2">
             <a:extLst>
               <a:ext uri="{FF2B5EF4-FFF2-40B4-BE49-F238E27FC236}">
-                <a16:creationId xmlns:a16="http://schemas.microsoft.com/office/drawing/2014/main" id="{02F071BF-C260-494A-B76E-5BD9CB735BD7}"/>
+                <a16:creationId xmlns:a16="http://schemas.microsoft.com/office/drawing/2014/main" id="{2B6A347F-5EC8-1F47-96A2-A67CAB41B5A5}"/>
               </a:ext>
             </a:extLst>
           </p:cNvPr>
@@ -7589,7 +7919,7 @@
           <a:p>
             <a:r>
               <a:rPr lang="en-US" dirty="0"/>
-              <a:t>Contributions</a:t>
+              <a:t>References</a:t>
             </a:r>
           </a:p>
         </p:txBody>
@@ -7597,7 +7927,7 @@
     </p:spTree>
     <p:extLst>
       <p:ext uri="{BB962C8B-B14F-4D97-AF65-F5344CB8AC3E}">
-        <p14:creationId xmlns:p14="http://schemas.microsoft.com/office/powerpoint/2010/main" val="2682010655"/>
+        <p14:creationId xmlns:p14="http://schemas.microsoft.com/office/powerpoint/2010/main" val="2917387211"/>
       </p:ext>
     </p:extLst>
   </p:cSld>
@@ -7624,255 +7954,38 @@
           <a:chExt cx="0" cy="0"/>
         </a:xfrm>
       </p:grpSpPr>
-      <p:sp>
-        <p:nvSpPr>
-          <p:cNvPr id="2" name="Content Placeholder 1">
-            <a:extLst>
-              <a:ext uri="{FF2B5EF4-FFF2-40B4-BE49-F238E27FC236}">
-                <a16:creationId xmlns:a16="http://schemas.microsoft.com/office/drawing/2014/main" id="{A61D128D-3AEC-E245-AB44-8B543DFE4736}"/>
-              </a:ext>
-            </a:extLst>
-          </p:cNvPr>
-          <p:cNvSpPr>
-            <a:spLocks noGrp="1"/>
-          </p:cNvSpPr>
+      <p:pic>
+        <p:nvPicPr>
+          <p:cNvPr id="4" name="Content Placeholder 3">
+            <a:extLst>
+              <a:ext uri="{FF2B5EF4-FFF2-40B4-BE49-F238E27FC236}">
+                <a16:creationId xmlns:a16="http://schemas.microsoft.com/office/drawing/2014/main" id="{AA290A4A-3757-8441-BA5B-EE62631C0B6A}"/>
+              </a:ext>
+            </a:extLst>
+          </p:cNvPr>
+          <p:cNvPicPr>
+            <a:picLocks noGrp="1" noChangeAspect="1"/>
+          </p:cNvPicPr>
           <p:nvPr>
             <p:ph idx="1"/>
           </p:nvPr>
-        </p:nvSpPr>
-        <p:spPr/>
-        <p:txBody>
-          <a:bodyPr/>
-          <a:lstStyle/>
-          <a:p>
-            <a:endParaRPr lang="en-US" dirty="0"/>
-          </a:p>
-        </p:txBody>
-      </p:sp>
-      <p:sp>
-        <p:nvSpPr>
-          <p:cNvPr id="3" name="Title 2">
-            <a:extLst>
-              <a:ext uri="{FF2B5EF4-FFF2-40B4-BE49-F238E27FC236}">
-                <a16:creationId xmlns:a16="http://schemas.microsoft.com/office/drawing/2014/main" id="{8C2C70FF-ED0F-F640-8861-E67E7679CB59}"/>
-              </a:ext>
-            </a:extLst>
-          </p:cNvPr>
-          <p:cNvSpPr>
-            <a:spLocks noGrp="1"/>
-          </p:cNvSpPr>
-          <p:nvPr>
-            <p:ph type="ctrTitle"/>
-          </p:nvPr>
-        </p:nvSpPr>
-        <p:spPr/>
-        <p:txBody>
-          <a:bodyPr/>
-          <a:lstStyle/>
-          <a:p>
-            <a:r>
-              <a:rPr lang="en-US" dirty="0"/>
-              <a:t>Thanks!</a:t>
-            </a:r>
-          </a:p>
-        </p:txBody>
-      </p:sp>
-    </p:spTree>
-    <p:extLst>
-      <p:ext uri="{BB962C8B-B14F-4D97-AF65-F5344CB8AC3E}">
-        <p14:creationId xmlns:p14="http://schemas.microsoft.com/office/powerpoint/2010/main" val="1932572840"/>
-      </p:ext>
-    </p:extLst>
-  </p:cSld>
-  <p:clrMapOvr>
-    <a:masterClrMapping/>
-  </p:clrMapOvr>
-</p:sld>
-</file>
-
-<file path=ppt/slides/slide25.xml><?xml version="1.0" encoding="utf-8"?>
-<p:sld xmlns:a="http://schemas.openxmlformats.org/drawingml/2006/main" xmlns:r="http://schemas.openxmlformats.org/officeDocument/2006/relationships" xmlns:p="http://schemas.openxmlformats.org/presentationml/2006/main">
-  <p:cSld>
-    <p:spTree>
-      <p:nvGrpSpPr>
-        <p:cNvPr id="1" name=""/>
-        <p:cNvGrpSpPr/>
-        <p:nvPr/>
-      </p:nvGrpSpPr>
-      <p:grpSpPr>
-        <a:xfrm>
-          <a:off x="0" y="0"/>
-          <a:ext cx="0" cy="0"/>
-          <a:chOff x="0" y="0"/>
-          <a:chExt cx="0" cy="0"/>
-        </a:xfrm>
-      </p:grpSpPr>
-      <p:sp>
-        <p:nvSpPr>
-          <p:cNvPr id="2" name="Content Placeholder 1">
-            <a:extLst>
-              <a:ext uri="{FF2B5EF4-FFF2-40B4-BE49-F238E27FC236}">
-                <a16:creationId xmlns:a16="http://schemas.microsoft.com/office/drawing/2014/main" id="{D134AD8D-B623-C149-9DE4-E4F0B45A5EEB}"/>
-              </a:ext>
-            </a:extLst>
-          </p:cNvPr>
-          <p:cNvSpPr>
-            <a:spLocks noGrp="1"/>
-          </p:cNvSpPr>
-          <p:nvPr>
-            <p:ph idx="1"/>
-          </p:nvPr>
-        </p:nvSpPr>
-        <p:spPr/>
-        <p:txBody>
-          <a:bodyPr/>
-          <a:lstStyle/>
-          <a:p>
-            <a:pPr marL="457200" indent="-457200">
-              <a:buFont typeface="+mj-lt"/>
-              <a:buAutoNum type="arabicPeriod"/>
-            </a:pPr>
-            <a:r>
-              <a:rPr lang="en-US" sz="2400" dirty="0"/>
-              <a:t>Qi, C. R., </a:t>
-            </a:r>
-            <a:r>
-              <a:rPr lang="en-US" sz="2400" dirty="0" err="1"/>
-              <a:t>Su</a:t>
-            </a:r>
-            <a:r>
-              <a:rPr lang="en-US" sz="2400" dirty="0"/>
-              <a:t>, H., Mo, K., and </a:t>
-            </a:r>
-            <a:r>
-              <a:rPr lang="en-US" sz="2400" dirty="0" err="1"/>
-              <a:t>Guibas</a:t>
-            </a:r>
-            <a:r>
-              <a:rPr lang="en-US" sz="2400" dirty="0"/>
-              <a:t>, L. J. </a:t>
-            </a:r>
-            <a:r>
-              <a:rPr lang="en-US" sz="2400" dirty="0" err="1"/>
-              <a:t>Pointnet</a:t>
-            </a:r>
-            <a:r>
-              <a:rPr lang="en-US" sz="2400" dirty="0"/>
-              <a:t>: Deep learning on point sets for 3d classification and </a:t>
-            </a:r>
-            <a:r>
-              <a:rPr lang="en-US" sz="2400" dirty="0" err="1"/>
-              <a:t>segmentation.CoRR</a:t>
-            </a:r>
-            <a:r>
-              <a:rPr lang="en-US" sz="2400" dirty="0"/>
-              <a:t>, abs/1612.00593, 2016. </a:t>
-            </a:r>
-            <a:r>
-              <a:rPr lang="en-US" sz="2400" dirty="0" err="1"/>
-              <a:t>URLhttp</a:t>
-            </a:r>
-            <a:r>
-              <a:rPr lang="en-US" sz="2400" dirty="0"/>
-              <a:t>://</a:t>
-            </a:r>
-            <a:r>
-              <a:rPr lang="en-US" sz="2400" dirty="0" err="1"/>
-              <a:t>arxiv.org</a:t>
-            </a:r>
-            <a:r>
-              <a:rPr lang="en-US" sz="2400" dirty="0"/>
-              <a:t>/abs/1612.00593</a:t>
-            </a:r>
-          </a:p>
-        </p:txBody>
-      </p:sp>
-      <p:sp>
-        <p:nvSpPr>
-          <p:cNvPr id="3" name="Title 2">
-            <a:extLst>
-              <a:ext uri="{FF2B5EF4-FFF2-40B4-BE49-F238E27FC236}">
-                <a16:creationId xmlns:a16="http://schemas.microsoft.com/office/drawing/2014/main" id="{2B6A347F-5EC8-1F47-96A2-A67CAB41B5A5}"/>
-              </a:ext>
-            </a:extLst>
-          </p:cNvPr>
-          <p:cNvSpPr>
-            <a:spLocks noGrp="1"/>
-          </p:cNvSpPr>
-          <p:nvPr>
-            <p:ph type="ctrTitle"/>
-          </p:nvPr>
-        </p:nvSpPr>
-        <p:spPr/>
-        <p:txBody>
-          <a:bodyPr/>
-          <a:lstStyle/>
-          <a:p>
-            <a:r>
-              <a:rPr lang="en-US" dirty="0"/>
-              <a:t>References</a:t>
-            </a:r>
-          </a:p>
-        </p:txBody>
-      </p:sp>
-    </p:spTree>
-    <p:extLst>
-      <p:ext uri="{BB962C8B-B14F-4D97-AF65-F5344CB8AC3E}">
-        <p14:creationId xmlns:p14="http://schemas.microsoft.com/office/powerpoint/2010/main" val="2917387211"/>
-      </p:ext>
-    </p:extLst>
-  </p:cSld>
-  <p:clrMapOvr>
-    <a:masterClrMapping/>
-  </p:clrMapOvr>
-</p:sld>
-</file>
-
-<file path=ppt/slides/slide26.xml><?xml version="1.0" encoding="utf-8"?>
-<p:sld xmlns:a="http://schemas.openxmlformats.org/drawingml/2006/main" xmlns:r="http://schemas.openxmlformats.org/officeDocument/2006/relationships" xmlns:p="http://schemas.openxmlformats.org/presentationml/2006/main">
-  <p:cSld>
-    <p:spTree>
-      <p:nvGrpSpPr>
-        <p:cNvPr id="1" name=""/>
-        <p:cNvGrpSpPr/>
-        <p:nvPr/>
-      </p:nvGrpSpPr>
-      <p:grpSpPr>
-        <a:xfrm>
-          <a:off x="0" y="0"/>
-          <a:ext cx="0" cy="0"/>
-          <a:chOff x="0" y="0"/>
-          <a:chExt cx="0" cy="0"/>
-        </a:xfrm>
-      </p:grpSpPr>
-      <p:sp>
-        <p:nvSpPr>
-          <p:cNvPr id="2" name="Content Placeholder 1">
-            <a:extLst>
-              <a:ext uri="{FF2B5EF4-FFF2-40B4-BE49-F238E27FC236}">
-                <a16:creationId xmlns:a16="http://schemas.microsoft.com/office/drawing/2014/main" id="{B16B3021-A81C-9647-A55D-7D16F5CCF83F}"/>
-              </a:ext>
-            </a:extLst>
-          </p:cNvPr>
-          <p:cNvSpPr>
-            <a:spLocks noGrp="1"/>
-          </p:cNvSpPr>
-          <p:nvPr>
-            <p:ph idx="1"/>
-          </p:nvPr>
-        </p:nvSpPr>
-        <p:spPr/>
-        <p:txBody>
-          <a:bodyPr/>
-          <a:lstStyle/>
-          <a:p>
-            <a:r>
-              <a:rPr lang="en-US" sz="2400" dirty="0"/>
-              <a:t>If needed</a:t>
-            </a:r>
-          </a:p>
-        </p:txBody>
-      </p:sp>
+        </p:nvPicPr>
+        <p:blipFill>
+          <a:blip r:embed="rId2"/>
+          <a:stretch>
+            <a:fillRect/>
+          </a:stretch>
+        </p:blipFill>
+        <p:spPr>
+          <a:xfrm>
+            <a:off x="452437" y="1600201"/>
+            <a:ext cx="8229600" cy="1740342"/>
+          </a:xfrm>
+          <a:prstGeom prst="rect">
+            <a:avLst/>
+          </a:prstGeom>
+        </p:spPr>
+      </p:pic>
       <p:sp>
         <p:nvSpPr>
           <p:cNvPr id="3" name="Title 2">
@@ -7978,7 +8091,7 @@
                   </a:schemeClr>
                 </a:solidFill>
               </a:rPr>
-              <a:t>Results. Do they match expectations</a:t>
+              <a:t>Results</a:t>
             </a:r>
           </a:p>
           <a:p>
@@ -8375,7 +8488,7 @@
             </a:r>
             <a:r>
               <a:rPr lang="en-US" sz="2000" dirty="0"/>
-              <a:t>), Stereo, and LiDAR</a:t>
+              <a:t>) or stereo cameras, and LiDAR</a:t>
             </a:r>
           </a:p>
           <a:p>
@@ -8424,13 +8537,6 @@
             <a:r>
               <a:rPr lang="en-US" sz="2000" dirty="0"/>
               <a:t> Dataset</a:t>
-            </a:r>
-          </a:p>
-          <a:p>
-            <a:pPr lvl="1"/>
-            <a:r>
-              <a:rPr lang="en-US" sz="2000" dirty="0"/>
-              <a:t>Apply to Lyft dataset</a:t>
             </a:r>
           </a:p>
           <a:p>
@@ -8471,6 +8577,90 @@
       </p:grpSpPr>
       <p:sp>
         <p:nvSpPr>
+          <p:cNvPr id="4" name="Content Placeholder 1">
+            <a:extLst>
+              <a:ext uri="{FF2B5EF4-FFF2-40B4-BE49-F238E27FC236}">
+                <a16:creationId xmlns:a16="http://schemas.microsoft.com/office/drawing/2014/main" id="{44B6E5FD-B9B9-C249-AD24-19C0CC13A246}"/>
+              </a:ext>
+            </a:extLst>
+          </p:cNvPr>
+          <p:cNvSpPr>
+            <a:spLocks noGrp="1"/>
+          </p:cNvSpPr>
+          <p:nvPr>
+            <p:ph idx="1"/>
+          </p:nvPr>
+        </p:nvSpPr>
+        <p:spPr>
+          <a:xfrm>
+            <a:off x="457200" y="1600202"/>
+            <a:ext cx="8229600" cy="4525963"/>
+          </a:xfrm>
+        </p:spPr>
+        <p:txBody>
+          <a:bodyPr/>
+          <a:lstStyle/>
+          <a:p>
+            <a:r>
+              <a:rPr lang="en-US" sz="2400" dirty="0"/>
+              <a:t>Given a collection of points in       : </a:t>
+            </a:r>
+          </a:p>
+          <a:p>
+            <a:pPr lvl="1"/>
+            <a:r>
+              <a:rPr lang="en-US" sz="2000" dirty="0"/>
+              <a:t>Unordered: Set of points without specific order. Given N points the network needs to be invariant to N! permutations</a:t>
+            </a:r>
+          </a:p>
+          <a:p>
+            <a:pPr lvl="1"/>
+            <a:r>
+              <a:rPr lang="en-US" sz="2000" dirty="0"/>
+              <a:t>Interaction among points: points are not isolated and neighboring points form a meaningful subset.</a:t>
+            </a:r>
+          </a:p>
+          <a:p>
+            <a:pPr lvl="1"/>
+            <a:r>
+              <a:rPr lang="en-US" sz="2000" dirty="0"/>
+              <a:t>Invariance under transformation: rotating and translating all points together should not modify the global point cloud category nor the segmentation of points.</a:t>
+            </a:r>
+          </a:p>
+        </p:txBody>
+      </p:sp>
+      <p:pic>
+        <p:nvPicPr>
+          <p:cNvPr id="2" name="Picture 1">
+            <a:extLst>
+              <a:ext uri="{FF2B5EF4-FFF2-40B4-BE49-F238E27FC236}">
+                <a16:creationId xmlns:a16="http://schemas.microsoft.com/office/drawing/2014/main" id="{7ACE18C9-851F-D54F-BAE8-7F09F949152C}"/>
+              </a:ext>
+            </a:extLst>
+          </p:cNvPr>
+          <p:cNvPicPr>
+            <a:picLocks noChangeAspect="1"/>
+          </p:cNvPicPr>
+          <p:nvPr/>
+        </p:nvPicPr>
+        <p:blipFill>
+          <a:blip r:embed="rId3"/>
+          <a:stretch>
+            <a:fillRect/>
+          </a:stretch>
+        </p:blipFill>
+        <p:spPr>
+          <a:xfrm>
+            <a:off x="4876800" y="1609546"/>
+            <a:ext cx="546225" cy="390161"/>
+          </a:xfrm>
+          <a:prstGeom prst="rect">
+            <a:avLst/>
+          </a:prstGeom>
+        </p:spPr>
+      </p:pic>
+      <p:sp>
+        <p:nvSpPr>
           <p:cNvPr id="3" name="Title 2">
             <a:extLst>
               <a:ext uri="{FF2B5EF4-FFF2-40B4-BE49-F238E27FC236}">
@@ -8498,65 +8688,6 @@
             <a:r>
               <a:rPr lang="en-US" dirty="0"/>
               <a:t>Properties of Point Sets</a:t>
-            </a:r>
-          </a:p>
-        </p:txBody>
-      </p:sp>
-      <p:sp>
-        <p:nvSpPr>
-          <p:cNvPr id="4" name="Content Placeholder 1">
-            <a:extLst>
-              <a:ext uri="{FF2B5EF4-FFF2-40B4-BE49-F238E27FC236}">
-                <a16:creationId xmlns:a16="http://schemas.microsoft.com/office/drawing/2014/main" id="{44B6E5FD-B9B9-C249-AD24-19C0CC13A246}"/>
-              </a:ext>
-            </a:extLst>
-          </p:cNvPr>
-          <p:cNvSpPr>
-            <a:spLocks noGrp="1"/>
-          </p:cNvSpPr>
-          <p:nvPr>
-            <p:ph idx="1"/>
-          </p:nvPr>
-        </p:nvSpPr>
-        <p:spPr>
-          <a:xfrm>
-            <a:off x="457200" y="1600202"/>
-            <a:ext cx="8229600" cy="4525963"/>
-          </a:xfrm>
-        </p:spPr>
-        <p:txBody>
-          <a:bodyPr/>
-          <a:lstStyle/>
-          <a:p>
-            <a:r>
-              <a:rPr lang="en-US" sz="2400" dirty="0"/>
-              <a:t>Given a collection of points in </a:t>
-            </a:r>
-            <a:r>
-              <a:rPr lang="en-US" sz="2400" dirty="0" err="1"/>
-              <a:t>R^n</a:t>
-            </a:r>
-            <a:r>
-              <a:rPr lang="en-US" sz="2400" dirty="0"/>
-              <a:t>: </a:t>
-            </a:r>
-          </a:p>
-          <a:p>
-            <a:r>
-              <a:rPr lang="en-US" sz="2400" dirty="0"/>
-              <a:t>Unordered: Set of points without specific order. Given N points the network needs to be invariant to N! permutations</a:t>
-            </a:r>
-          </a:p>
-          <a:p>
-            <a:r>
-              <a:rPr lang="en-US" sz="2400" dirty="0"/>
-              <a:t>Interaction among points: points are not isolated and neighboring points form a meaningful subset.</a:t>
-            </a:r>
-          </a:p>
-          <a:p>
-            <a:r>
-              <a:rPr lang="en-US" sz="2400" dirty="0"/>
-              <a:t>Invariance under transformation: rotating and translating all points together should not modify the global point cloud category nor the segmentation of points.</a:t>
             </a:r>
           </a:p>
         </p:txBody>
@@ -8638,7 +8769,7 @@
                   </a:schemeClr>
                 </a:solidFill>
               </a:rPr>
-              <a:t>Results. Do they match expectations</a:t>
+              <a:t>Results</a:t>
             </a:r>
           </a:p>
           <a:p>
@@ -8760,7 +8891,7 @@
           <a:p>
             <a:r>
               <a:rPr lang="en-US" sz="2400" dirty="0"/>
-              <a:t>Inputs: Point clouds</a:t>
+              <a:t>Inputs: Point clouds in </a:t>
             </a:r>
           </a:p>
           <a:p>
@@ -8814,7 +8945,7 @@
           <p:nvPr/>
         </p:nvPicPr>
         <p:blipFill>
-          <a:blip r:embed="rId2"/>
+          <a:blip r:embed="rId3"/>
           <a:stretch>
             <a:fillRect/>
           </a:stretch>
@@ -8823,6 +8954,40 @@
           <a:xfrm>
             <a:off x="454803" y="3082124"/>
             <a:ext cx="8231997" cy="3047999"/>
+          </a:xfrm>
+          <a:prstGeom prst="rect">
+            <a:avLst/>
+          </a:prstGeom>
+        </p:spPr>
+      </p:pic>
+      <p:pic>
+        <p:nvPicPr>
+          <p:cNvPr id="5" name="Picture 4">
+            <a:extLst>
+              <a:ext uri="{FF2B5EF4-FFF2-40B4-BE49-F238E27FC236}">
+                <a16:creationId xmlns:a16="http://schemas.microsoft.com/office/drawing/2014/main" id="{68745D04-83E7-C142-A877-C5D094330572}"/>
+              </a:ext>
+            </a:extLst>
+          </p:cNvPr>
+          <p:cNvPicPr>
+            <a:picLocks noChangeAspect="1"/>
+          </p:cNvPicPr>
+          <p:nvPr>
+            <p:custDataLst>
+              <p:tags r:id="rId1"/>
+            </p:custDataLst>
+          </p:nvPr>
+        </p:nvPicPr>
+        <p:blipFill>
+          <a:blip r:embed="rId4"/>
+          <a:stretch>
+            <a:fillRect/>
+          </a:stretch>
+        </p:blipFill>
+        <p:spPr>
+          <a:xfrm>
+            <a:off x="3962399" y="1676400"/>
+            <a:ext cx="324308" cy="248717"/>
           </a:xfrm>
           <a:prstGeom prst="rect">
             <a:avLst/>
@@ -8882,7 +9047,27 @@
           <a:p>
             <a:r>
               <a:rPr lang="en-US" sz="2400" dirty="0"/>
-              <a:t>Details on Input Transform</a:t>
+              <a:t>Mini-</a:t>
+            </a:r>
+            <a:r>
+              <a:rPr lang="en-US" sz="2400" dirty="0" err="1"/>
+              <a:t>PointNets</a:t>
+            </a:r>
+            <a:r>
+              <a:rPr lang="en-US" sz="2400" dirty="0"/>
+              <a:t>: Used for alignment/transformation for input points and features</a:t>
+            </a:r>
+          </a:p>
+          <a:p>
+            <a:r>
+              <a:rPr lang="en-US" sz="2400" dirty="0"/>
+              <a:t>Output Initialized as 3x3 and 64x64 identity matrix respectively</a:t>
+            </a:r>
+          </a:p>
+          <a:p>
+            <a:r>
+              <a:rPr lang="en-US" sz="2400" dirty="0"/>
+              <a:t>Why: to make input invariant to input permutation</a:t>
             </a:r>
           </a:p>
         </p:txBody>
@@ -8910,7 +9095,7 @@
           <a:p>
             <a:r>
               <a:rPr lang="en-US" dirty="0"/>
-              <a:t>Implementation: Input Transform</a:t>
+              <a:t>Implementation: Transform’s</a:t>
             </a:r>
           </a:p>
         </p:txBody>
@@ -8937,7 +9122,7 @@
         </p:blipFill>
         <p:spPr>
           <a:xfrm>
-            <a:off x="457200" y="3083421"/>
+            <a:off x="476250" y="3733798"/>
             <a:ext cx="8231997" cy="3047999"/>
           </a:xfrm>
           <a:prstGeom prst="rect">
@@ -8959,6 +9144,25 @@
 </file>
 
 <file path=ppt/tags/tag1.xml><?xml version="1.0" encoding="utf-8"?>
+<p:tagLst xmlns:a="http://schemas.openxmlformats.org/drawingml/2006/main" xmlns:r="http://schemas.openxmlformats.org/officeDocument/2006/relationships" xmlns:p="http://schemas.openxmlformats.org/presentationml/2006/main">
+  <p:tag name="OUTPUTDPI" val="1200"/>
+  <p:tag name="ORIGINALHEIGHT" val="102"/>
+  <p:tag name="ORIGINALWIDTH" val="133"/>
+  <p:tag name="LATEXADDIN" val="\documentclass{article}&#10;\usepackage{amsmath}&#10;\usepackage{amsfonts}&#10;\pagestyle{empty}&#10;\begin{document}&#10;&#10;&#10;$\mathbb{R}^3$&#10;&#10;\end{document}"/>
+  <p:tag name="IGUANATEXSIZE" val="24"/>
+  <p:tag name="IGUANATEXCURSOR" val="65"/>
+  <p:tag name="TRANSPARENCY" val="True"/>
+  <p:tag name="FILENAME" val=""/>
+  <p:tag name="LATEXENGINEID" val="0"/>
+  <p:tag name="TEMPFOLDER" val="/private/var/folders/mv/sf5q90614b9_61ppmqlrt7f00000gn/T/com.microsoft.Powerpoint/TemporaryItems/"/>
+  <p:tag name="LATEXFORMHEIGHT" val="312"/>
+  <p:tag name="LATEXFORMWIDTH" val="384"/>
+  <p:tag name="LATEXFORMWRAP" val="True"/>
+  <p:tag name="BITMAPVECTOR" val="0"/>
+</p:tagLst>
+</file>
+
+<file path=ppt/tags/tag2.xml><?xml version="1.0" encoding="utf-8"?>
 <p:tagLst xmlns:a="http://schemas.openxmlformats.org/drawingml/2006/main" xmlns:r="http://schemas.openxmlformats.org/officeDocument/2006/relationships" xmlns:p="http://schemas.openxmlformats.org/presentationml/2006/main">
   <p:tag name="OUTPUTDPI" val="1200"/>
   <p:tag name="ORIGINALHEIGHT" val="102"/>
